--- a/lectures/10_Further_techniques/Going-further.pptx
+++ b/lectures/10_Further_techniques/Going-further.pptx
@@ -4,6 +4,12 @@
   <p:sldMasterIdLst>
     <p:sldMasterId id="2147483648" r:id="rId1"/>
   </p:sldMasterIdLst>
+  <p:notesMasterIdLst>
+    <p:notesMasterId r:id="rId37"/>
+  </p:notesMasterIdLst>
+  <p:handoutMasterIdLst>
+    <p:handoutMasterId r:id="rId38"/>
+  </p:handoutMasterIdLst>
   <p:sldIdLst>
     <p:sldId id="256" r:id="rId2"/>
     <p:sldId id="257" r:id="rId3"/>
@@ -141,6 +147,594 @@
 </p:presentation>
 </file>
 
+<file path=ppt/handoutMasters/handoutMaster1.xml><?xml version="1.0" encoding="utf-8"?>
+<p:handoutMaster xmlns:a="http://schemas.openxmlformats.org/drawingml/2006/main" xmlns:r="http://schemas.openxmlformats.org/officeDocument/2006/relationships" xmlns:mc="http://schemas.openxmlformats.org/markup-compatibility/2006" xmlns:mv="urn:schemas-microsoft-com:mac:vml" xmlns:p="http://schemas.openxmlformats.org/presentationml/2006/main" mc:Ignorable="mv" mc:PreserveAttributes="mv:*">
+  <p:cSld>
+    <p:bg>
+      <p:bgRef idx="1001">
+        <a:schemeClr val="bg1"/>
+      </p:bgRef>
+    </p:bg>
+    <p:spTree>
+      <p:nvGrpSpPr>
+        <p:cNvPr id="1" name=""/>
+        <p:cNvGrpSpPr/>
+        <p:nvPr/>
+      </p:nvGrpSpPr>
+      <p:grpSpPr>
+        <a:xfrm>
+          <a:off x="0" y="0"/>
+          <a:ext cx="0" cy="0"/>
+          <a:chOff x="0" y="0"/>
+          <a:chExt cx="0" cy="0"/>
+        </a:xfrm>
+      </p:grpSpPr>
+      <p:sp>
+        <p:nvSpPr>
+          <p:cNvPr id="2" name="Header Placeholder 1"/>
+          <p:cNvSpPr>
+            <a:spLocks noGrp="1"/>
+          </p:cNvSpPr>
+          <p:nvPr>
+            <p:ph type="hdr" sz="quarter"/>
+          </p:nvPr>
+        </p:nvSpPr>
+        <p:spPr>
+          <a:xfrm>
+            <a:off x="0" y="0"/>
+            <a:ext cx="2971800" cy="457200"/>
+          </a:xfrm>
+          <a:prstGeom prst="rect">
+            <a:avLst/>
+          </a:prstGeom>
+        </p:spPr>
+        <p:txBody>
+          <a:bodyPr vert="horz" lIns="91440" tIns="45720" rIns="91440" bIns="45720" rtlCol="0"/>
+          <a:lstStyle>
+            <a:lvl1pPr algn="l">
+              <a:defRPr sz="1200"/>
+            </a:lvl1pPr>
+          </a:lstStyle>
+          <a:p>
+            <a:endParaRPr lang="en-GB"/>
+          </a:p>
+        </p:txBody>
+      </p:sp>
+      <p:sp>
+        <p:nvSpPr>
+          <p:cNvPr id="3" name="Date Placeholder 2"/>
+          <p:cNvSpPr>
+            <a:spLocks noGrp="1"/>
+          </p:cNvSpPr>
+          <p:nvPr>
+            <p:ph type="dt" sz="quarter" idx="1"/>
+          </p:nvPr>
+        </p:nvSpPr>
+        <p:spPr>
+          <a:xfrm>
+            <a:off x="3884613" y="0"/>
+            <a:ext cx="2971800" cy="457200"/>
+          </a:xfrm>
+          <a:prstGeom prst="rect">
+            <a:avLst/>
+          </a:prstGeom>
+        </p:spPr>
+        <p:txBody>
+          <a:bodyPr vert="horz" lIns="91440" tIns="45720" rIns="91440" bIns="45720" rtlCol="0"/>
+          <a:lstStyle>
+            <a:lvl1pPr algn="r">
+              <a:defRPr sz="1200"/>
+            </a:lvl1pPr>
+          </a:lstStyle>
+          <a:p>
+            <a:fld id="{7935A50F-331F-804F-A213-C9505B3CCA32}" type="datetimeFigureOut">
+              <a:rPr lang="en-GB" smtClean="0"/>
+              <a:t>11/21/17</a:t>
+            </a:fld>
+            <a:endParaRPr lang="en-GB"/>
+          </a:p>
+        </p:txBody>
+      </p:sp>
+      <p:sp>
+        <p:nvSpPr>
+          <p:cNvPr id="4" name="Footer Placeholder 3"/>
+          <p:cNvSpPr>
+            <a:spLocks noGrp="1"/>
+          </p:cNvSpPr>
+          <p:nvPr>
+            <p:ph type="ftr" sz="quarter" idx="2"/>
+          </p:nvPr>
+        </p:nvSpPr>
+        <p:spPr>
+          <a:xfrm>
+            <a:off x="0" y="8685213"/>
+            <a:ext cx="2971800" cy="457200"/>
+          </a:xfrm>
+          <a:prstGeom prst="rect">
+            <a:avLst/>
+          </a:prstGeom>
+        </p:spPr>
+        <p:txBody>
+          <a:bodyPr vert="horz" lIns="91440" tIns="45720" rIns="91440" bIns="45720" rtlCol="0" anchor="b"/>
+          <a:lstStyle>
+            <a:lvl1pPr algn="l">
+              <a:defRPr sz="1200"/>
+            </a:lvl1pPr>
+          </a:lstStyle>
+          <a:p>
+            <a:endParaRPr lang="en-GB"/>
+          </a:p>
+        </p:txBody>
+      </p:sp>
+      <p:sp>
+        <p:nvSpPr>
+          <p:cNvPr id="5" name="Slide Number Placeholder 4"/>
+          <p:cNvSpPr>
+            <a:spLocks noGrp="1"/>
+          </p:cNvSpPr>
+          <p:nvPr>
+            <p:ph type="sldNum" sz="quarter" idx="3"/>
+          </p:nvPr>
+        </p:nvSpPr>
+        <p:spPr>
+          <a:xfrm>
+            <a:off x="3884613" y="8685213"/>
+            <a:ext cx="2971800" cy="457200"/>
+          </a:xfrm>
+          <a:prstGeom prst="rect">
+            <a:avLst/>
+          </a:prstGeom>
+        </p:spPr>
+        <p:txBody>
+          <a:bodyPr vert="horz" lIns="91440" tIns="45720" rIns="91440" bIns="45720" rtlCol="0" anchor="b"/>
+          <a:lstStyle>
+            <a:lvl1pPr algn="r">
+              <a:defRPr sz="1200"/>
+            </a:lvl1pPr>
+          </a:lstStyle>
+          <a:p>
+            <a:fld id="{21D4F33C-4BA2-494C-9C8E-78A155E9797F}" type="slidenum">
+              <a:rPr lang="en-GB" smtClean="0"/>
+              <a:t>‹#›</a:t>
+            </a:fld>
+            <a:endParaRPr lang="en-GB"/>
+          </a:p>
+        </p:txBody>
+      </p:sp>
+    </p:spTree>
+  </p:cSld>
+  <p:clrMap bg1="lt1" tx1="dk1" bg2="lt2" tx2="dk2" accent1="accent1" accent2="accent2" accent3="accent3" accent4="accent4" accent5="accent5" accent6="accent6" hlink="hlink" folHlink="folHlink"/>
+</p:handoutMaster>
+</file>
+
+<file path=ppt/notesMasters/notesMaster1.xml><?xml version="1.0" encoding="utf-8"?>
+<p:notesMaster xmlns:a="http://schemas.openxmlformats.org/drawingml/2006/main" xmlns:r="http://schemas.openxmlformats.org/officeDocument/2006/relationships" xmlns:mc="http://schemas.openxmlformats.org/markup-compatibility/2006" xmlns:mv="urn:schemas-microsoft-com:mac:vml" xmlns:p="http://schemas.openxmlformats.org/presentationml/2006/main" mc:Ignorable="mv" mc:PreserveAttributes="mv:*">
+  <p:cSld>
+    <p:bg>
+      <p:bgRef idx="1001">
+        <a:schemeClr val="bg1"/>
+      </p:bgRef>
+    </p:bg>
+    <p:spTree>
+      <p:nvGrpSpPr>
+        <p:cNvPr id="1" name=""/>
+        <p:cNvGrpSpPr/>
+        <p:nvPr/>
+      </p:nvGrpSpPr>
+      <p:grpSpPr>
+        <a:xfrm>
+          <a:off x="0" y="0"/>
+          <a:ext cx="0" cy="0"/>
+          <a:chOff x="0" y="0"/>
+          <a:chExt cx="0" cy="0"/>
+        </a:xfrm>
+      </p:grpSpPr>
+      <p:sp>
+        <p:nvSpPr>
+          <p:cNvPr id="2" name="Header Placeholder 1"/>
+          <p:cNvSpPr>
+            <a:spLocks noGrp="1"/>
+          </p:cNvSpPr>
+          <p:nvPr>
+            <p:ph type="hdr" sz="quarter"/>
+          </p:nvPr>
+        </p:nvSpPr>
+        <p:spPr>
+          <a:xfrm>
+            <a:off x="0" y="0"/>
+            <a:ext cx="2971800" cy="457200"/>
+          </a:xfrm>
+          <a:prstGeom prst="rect">
+            <a:avLst/>
+          </a:prstGeom>
+        </p:spPr>
+        <p:txBody>
+          <a:bodyPr vert="horz" lIns="91440" tIns="45720" rIns="91440" bIns="45720" rtlCol="0"/>
+          <a:lstStyle>
+            <a:lvl1pPr algn="l">
+              <a:defRPr sz="1200"/>
+            </a:lvl1pPr>
+          </a:lstStyle>
+          <a:p>
+            <a:endParaRPr lang="en-GB"/>
+          </a:p>
+        </p:txBody>
+      </p:sp>
+      <p:sp>
+        <p:nvSpPr>
+          <p:cNvPr id="3" name="Date Placeholder 2"/>
+          <p:cNvSpPr>
+            <a:spLocks noGrp="1"/>
+          </p:cNvSpPr>
+          <p:nvPr>
+            <p:ph type="dt" idx="1"/>
+          </p:nvPr>
+        </p:nvSpPr>
+        <p:spPr>
+          <a:xfrm>
+            <a:off x="3884613" y="0"/>
+            <a:ext cx="2971800" cy="457200"/>
+          </a:xfrm>
+          <a:prstGeom prst="rect">
+            <a:avLst/>
+          </a:prstGeom>
+        </p:spPr>
+        <p:txBody>
+          <a:bodyPr vert="horz" lIns="91440" tIns="45720" rIns="91440" bIns="45720" rtlCol="0"/>
+          <a:lstStyle>
+            <a:lvl1pPr algn="r">
+              <a:defRPr sz="1200"/>
+            </a:lvl1pPr>
+          </a:lstStyle>
+          <a:p>
+            <a:fld id="{44AA0928-8A9B-5B45-936E-047358694F65}" type="datetimeFigureOut">
+              <a:rPr lang="en-GB" smtClean="0"/>
+              <a:t>11/21/17</a:t>
+            </a:fld>
+            <a:endParaRPr lang="en-GB"/>
+          </a:p>
+        </p:txBody>
+      </p:sp>
+      <p:sp>
+        <p:nvSpPr>
+          <p:cNvPr id="4" name="Slide Image Placeholder 3"/>
+          <p:cNvSpPr>
+            <a:spLocks noGrp="1" noRot="1" noChangeAspect="1"/>
+          </p:cNvSpPr>
+          <p:nvPr>
+            <p:ph type="sldImg" idx="2"/>
+          </p:nvPr>
+        </p:nvSpPr>
+        <p:spPr>
+          <a:xfrm>
+            <a:off x="1143000" y="685800"/>
+            <a:ext cx="4572000" cy="3429000"/>
+          </a:xfrm>
+          <a:prstGeom prst="rect">
+            <a:avLst/>
+          </a:prstGeom>
+          <a:noFill/>
+          <a:ln w="12700">
+            <a:solidFill>
+              <a:prstClr val="black"/>
+            </a:solidFill>
+          </a:ln>
+        </p:spPr>
+        <p:txBody>
+          <a:bodyPr vert="horz" lIns="91440" tIns="45720" rIns="91440" bIns="45720" rtlCol="0" anchor="ctr"/>
+          <a:lstStyle/>
+          <a:p>
+            <a:endParaRPr lang="en-GB"/>
+          </a:p>
+        </p:txBody>
+      </p:sp>
+      <p:sp>
+        <p:nvSpPr>
+          <p:cNvPr id="5" name="Notes Placeholder 4"/>
+          <p:cNvSpPr>
+            <a:spLocks noGrp="1"/>
+          </p:cNvSpPr>
+          <p:nvPr>
+            <p:ph type="body" sz="quarter" idx="3"/>
+          </p:nvPr>
+        </p:nvSpPr>
+        <p:spPr>
+          <a:xfrm>
+            <a:off x="685800" y="4343400"/>
+            <a:ext cx="5486400" cy="4114800"/>
+          </a:xfrm>
+          <a:prstGeom prst="rect">
+            <a:avLst/>
+          </a:prstGeom>
+        </p:spPr>
+        <p:txBody>
+          <a:bodyPr vert="horz" lIns="91440" tIns="45720" rIns="91440" bIns="45720" rtlCol="0">
+            <a:normAutofit/>
+          </a:bodyPr>
+          <a:lstStyle/>
+          <a:p>
+            <a:pPr lvl="0"/>
+            <a:r>
+              <a:rPr lang="en-GB" smtClean="0"/>
+              <a:t>Click to edit Master text styles</a:t>
+            </a:r>
+          </a:p>
+          <a:p>
+            <a:pPr lvl="1"/>
+            <a:r>
+              <a:rPr lang="en-GB" smtClean="0"/>
+              <a:t>Second level</a:t>
+            </a:r>
+          </a:p>
+          <a:p>
+            <a:pPr lvl="2"/>
+            <a:r>
+              <a:rPr lang="en-GB" smtClean="0"/>
+              <a:t>Third level</a:t>
+            </a:r>
+          </a:p>
+          <a:p>
+            <a:pPr lvl="3"/>
+            <a:r>
+              <a:rPr lang="en-GB" smtClean="0"/>
+              <a:t>Fourth level</a:t>
+            </a:r>
+          </a:p>
+          <a:p>
+            <a:pPr lvl="4"/>
+            <a:r>
+              <a:rPr lang="en-GB" smtClean="0"/>
+              <a:t>Fifth level</a:t>
+            </a:r>
+            <a:endParaRPr lang="en-GB"/>
+          </a:p>
+        </p:txBody>
+      </p:sp>
+      <p:sp>
+        <p:nvSpPr>
+          <p:cNvPr id="6" name="Footer Placeholder 5"/>
+          <p:cNvSpPr>
+            <a:spLocks noGrp="1"/>
+          </p:cNvSpPr>
+          <p:nvPr>
+            <p:ph type="ftr" sz="quarter" idx="4"/>
+          </p:nvPr>
+        </p:nvSpPr>
+        <p:spPr>
+          <a:xfrm>
+            <a:off x="0" y="8685213"/>
+            <a:ext cx="2971800" cy="457200"/>
+          </a:xfrm>
+          <a:prstGeom prst="rect">
+            <a:avLst/>
+          </a:prstGeom>
+        </p:spPr>
+        <p:txBody>
+          <a:bodyPr vert="horz" lIns="91440" tIns="45720" rIns="91440" bIns="45720" rtlCol="0" anchor="b"/>
+          <a:lstStyle>
+            <a:lvl1pPr algn="l">
+              <a:defRPr sz="1200"/>
+            </a:lvl1pPr>
+          </a:lstStyle>
+          <a:p>
+            <a:endParaRPr lang="en-GB"/>
+          </a:p>
+        </p:txBody>
+      </p:sp>
+      <p:sp>
+        <p:nvSpPr>
+          <p:cNvPr id="7" name="Slide Number Placeholder 6"/>
+          <p:cNvSpPr>
+            <a:spLocks noGrp="1"/>
+          </p:cNvSpPr>
+          <p:nvPr>
+            <p:ph type="sldNum" sz="quarter" idx="5"/>
+          </p:nvPr>
+        </p:nvSpPr>
+        <p:spPr>
+          <a:xfrm>
+            <a:off x="3884613" y="8685213"/>
+            <a:ext cx="2971800" cy="457200"/>
+          </a:xfrm>
+          <a:prstGeom prst="rect">
+            <a:avLst/>
+          </a:prstGeom>
+        </p:spPr>
+        <p:txBody>
+          <a:bodyPr vert="horz" lIns="91440" tIns="45720" rIns="91440" bIns="45720" rtlCol="0" anchor="b"/>
+          <a:lstStyle>
+            <a:lvl1pPr algn="r">
+              <a:defRPr sz="1200"/>
+            </a:lvl1pPr>
+          </a:lstStyle>
+          <a:p>
+            <a:fld id="{195D60C3-EA3C-6A4B-ACBA-D66798245219}" type="slidenum">
+              <a:rPr lang="en-GB" smtClean="0"/>
+              <a:t>‹#›</a:t>
+            </a:fld>
+            <a:endParaRPr lang="en-GB"/>
+          </a:p>
+        </p:txBody>
+      </p:sp>
+    </p:spTree>
+  </p:cSld>
+  <p:clrMap bg1="lt1" tx1="dk1" bg2="lt2" tx2="dk2" accent1="accent1" accent2="accent2" accent3="accent3" accent4="accent4" accent5="accent5" accent6="accent6" hlink="hlink" folHlink="folHlink"/>
+  <p:notesStyle>
+    <a:lvl1pPr marL="0" algn="l" defTabSz="457200" rtl="0" eaLnBrk="1" latinLnBrk="0" hangingPunct="1">
+      <a:defRPr sz="1200" kern="1200">
+        <a:solidFill>
+          <a:schemeClr val="tx1"/>
+        </a:solidFill>
+        <a:latin typeface="+mn-lt"/>
+        <a:ea typeface="+mn-ea"/>
+        <a:cs typeface="+mn-cs"/>
+      </a:defRPr>
+    </a:lvl1pPr>
+    <a:lvl2pPr marL="457200" algn="l" defTabSz="457200" rtl="0" eaLnBrk="1" latinLnBrk="0" hangingPunct="1">
+      <a:defRPr sz="1200" kern="1200">
+        <a:solidFill>
+          <a:schemeClr val="tx1"/>
+        </a:solidFill>
+        <a:latin typeface="+mn-lt"/>
+        <a:ea typeface="+mn-ea"/>
+        <a:cs typeface="+mn-cs"/>
+      </a:defRPr>
+    </a:lvl2pPr>
+    <a:lvl3pPr marL="914400" algn="l" defTabSz="457200" rtl="0" eaLnBrk="1" latinLnBrk="0" hangingPunct="1">
+      <a:defRPr sz="1200" kern="1200">
+        <a:solidFill>
+          <a:schemeClr val="tx1"/>
+        </a:solidFill>
+        <a:latin typeface="+mn-lt"/>
+        <a:ea typeface="+mn-ea"/>
+        <a:cs typeface="+mn-cs"/>
+      </a:defRPr>
+    </a:lvl3pPr>
+    <a:lvl4pPr marL="1371600" algn="l" defTabSz="457200" rtl="0" eaLnBrk="1" latinLnBrk="0" hangingPunct="1">
+      <a:defRPr sz="1200" kern="1200">
+        <a:solidFill>
+          <a:schemeClr val="tx1"/>
+        </a:solidFill>
+        <a:latin typeface="+mn-lt"/>
+        <a:ea typeface="+mn-ea"/>
+        <a:cs typeface="+mn-cs"/>
+      </a:defRPr>
+    </a:lvl4pPr>
+    <a:lvl5pPr marL="1828800" algn="l" defTabSz="457200" rtl="0" eaLnBrk="1" latinLnBrk="0" hangingPunct="1">
+      <a:defRPr sz="1200" kern="1200">
+        <a:solidFill>
+          <a:schemeClr val="tx1"/>
+        </a:solidFill>
+        <a:latin typeface="+mn-lt"/>
+        <a:ea typeface="+mn-ea"/>
+        <a:cs typeface="+mn-cs"/>
+      </a:defRPr>
+    </a:lvl5pPr>
+    <a:lvl6pPr marL="2286000" algn="l" defTabSz="457200" rtl="0" eaLnBrk="1" latinLnBrk="0" hangingPunct="1">
+      <a:defRPr sz="1200" kern="1200">
+        <a:solidFill>
+          <a:schemeClr val="tx1"/>
+        </a:solidFill>
+        <a:latin typeface="+mn-lt"/>
+        <a:ea typeface="+mn-ea"/>
+        <a:cs typeface="+mn-cs"/>
+      </a:defRPr>
+    </a:lvl6pPr>
+    <a:lvl7pPr marL="2743200" algn="l" defTabSz="457200" rtl="0" eaLnBrk="1" latinLnBrk="0" hangingPunct="1">
+      <a:defRPr sz="1200" kern="1200">
+        <a:solidFill>
+          <a:schemeClr val="tx1"/>
+        </a:solidFill>
+        <a:latin typeface="+mn-lt"/>
+        <a:ea typeface="+mn-ea"/>
+        <a:cs typeface="+mn-cs"/>
+      </a:defRPr>
+    </a:lvl7pPr>
+    <a:lvl8pPr marL="3200400" algn="l" defTabSz="457200" rtl="0" eaLnBrk="1" latinLnBrk="0" hangingPunct="1">
+      <a:defRPr sz="1200" kern="1200">
+        <a:solidFill>
+          <a:schemeClr val="tx1"/>
+        </a:solidFill>
+        <a:latin typeface="+mn-lt"/>
+        <a:ea typeface="+mn-ea"/>
+        <a:cs typeface="+mn-cs"/>
+      </a:defRPr>
+    </a:lvl8pPr>
+    <a:lvl9pPr marL="3657600" algn="l" defTabSz="457200" rtl="0" eaLnBrk="1" latinLnBrk="0" hangingPunct="1">
+      <a:defRPr sz="1200" kern="1200">
+        <a:solidFill>
+          <a:schemeClr val="tx1"/>
+        </a:solidFill>
+        <a:latin typeface="+mn-lt"/>
+        <a:ea typeface="+mn-ea"/>
+        <a:cs typeface="+mn-cs"/>
+      </a:defRPr>
+    </a:lvl9pPr>
+  </p:notesStyle>
+</p:notesMaster>
+</file>
+
+<file path=ppt/notesSlides/notesSlide1.xml><?xml version="1.0" encoding="utf-8"?>
+<p:notes xmlns:a="http://schemas.openxmlformats.org/drawingml/2006/main" xmlns:r="http://schemas.openxmlformats.org/officeDocument/2006/relationships" xmlns:mc="http://schemas.openxmlformats.org/markup-compatibility/2006" xmlns:mv="urn:schemas-microsoft-com:mac:vml" xmlns:p="http://schemas.openxmlformats.org/presentationml/2006/main" mc:Ignorable="mv" mc:PreserveAttributes="mv:*">
+  <p:cSld>
+    <p:spTree>
+      <p:nvGrpSpPr>
+        <p:cNvPr id="1" name=""/>
+        <p:cNvGrpSpPr/>
+        <p:nvPr/>
+      </p:nvGrpSpPr>
+      <p:grpSpPr>
+        <a:xfrm>
+          <a:off x="0" y="0"/>
+          <a:ext cx="0" cy="0"/>
+          <a:chOff x="0" y="0"/>
+          <a:chExt cx="0" cy="0"/>
+        </a:xfrm>
+      </p:grpSpPr>
+      <p:sp>
+        <p:nvSpPr>
+          <p:cNvPr id="2" name="Slide Image Placeholder 1"/>
+          <p:cNvSpPr>
+            <a:spLocks noGrp="1" noRot="1" noChangeAspect="1"/>
+          </p:cNvSpPr>
+          <p:nvPr>
+            <p:ph type="sldImg"/>
+          </p:nvPr>
+        </p:nvSpPr>
+        <p:spPr/>
+      </p:sp>
+      <p:sp>
+        <p:nvSpPr>
+          <p:cNvPr id="3" name="Notes Placeholder 2"/>
+          <p:cNvSpPr>
+            <a:spLocks noGrp="1"/>
+          </p:cNvSpPr>
+          <p:nvPr>
+            <p:ph type="body" idx="1"/>
+          </p:nvPr>
+        </p:nvSpPr>
+        <p:spPr/>
+        <p:txBody>
+          <a:bodyPr>
+            <a:normAutofit/>
+          </a:bodyPr>
+          <a:lstStyle/>
+          <a:p>
+            <a:endParaRPr lang="en-GB" dirty="0"/>
+          </a:p>
+        </p:txBody>
+      </p:sp>
+      <p:sp>
+        <p:nvSpPr>
+          <p:cNvPr id="4" name="Slide Number Placeholder 3"/>
+          <p:cNvSpPr>
+            <a:spLocks noGrp="1"/>
+          </p:cNvSpPr>
+          <p:nvPr>
+            <p:ph type="sldNum" sz="quarter" idx="10"/>
+          </p:nvPr>
+        </p:nvSpPr>
+        <p:spPr/>
+        <p:txBody>
+          <a:bodyPr/>
+          <a:lstStyle/>
+          <a:p>
+            <a:fld id="{195D60C3-EA3C-6A4B-ACBA-D66798245219}" type="slidenum">
+              <a:rPr lang="en-GB" smtClean="0"/>
+              <a:t>22</a:t>
+            </a:fld>
+            <a:endParaRPr lang="en-GB"/>
+          </a:p>
+        </p:txBody>
+      </p:sp>
+    </p:spTree>
+  </p:cSld>
+  <p:clrMapOvr>
+    <a:masterClrMapping/>
+  </p:clrMapOvr>
+</p:notes>
+</file>
+
 <file path=ppt/slideLayouts/slideLayout1.xml><?xml version="1.0" encoding="utf-8"?>
 <p:sldLayout xmlns:a="http://schemas.openxmlformats.org/drawingml/2006/main" xmlns:r="http://schemas.openxmlformats.org/officeDocument/2006/relationships" xmlns:mc="http://schemas.openxmlformats.org/markup-compatibility/2006" xmlns:mv="urn:schemas-microsoft-com:mac:vml" xmlns:p="http://schemas.openxmlformats.org/presentationml/2006/main" mc:Ignorable="mv" mc:PreserveAttributes="mv:*" type="title" preserve="1">
   <p:cSld name="Title Slide">
@@ -323,7 +917,7 @@
             <a:fld id="{7FD50ED9-9F09-344A-ABCC-FCE4200657C8}" type="datetimeFigureOut">
               <a:rPr lang="en-GB" smtClean="0"/>
               <a:pPr/>
-              <a:t>11/16/17</a:t>
+              <a:t>11/21/17</a:t>
             </a:fld>
             <a:endParaRPr lang="en-GB"/>
           </a:p>
@@ -490,7 +1084,7 @@
             <a:fld id="{7FD50ED9-9F09-344A-ABCC-FCE4200657C8}" type="datetimeFigureOut">
               <a:rPr lang="en-GB" smtClean="0"/>
               <a:pPr/>
-              <a:t>11/16/17</a:t>
+              <a:t>11/21/17</a:t>
             </a:fld>
             <a:endParaRPr lang="en-GB"/>
           </a:p>
@@ -667,7 +1261,7 @@
             <a:fld id="{7FD50ED9-9F09-344A-ABCC-FCE4200657C8}" type="datetimeFigureOut">
               <a:rPr lang="en-GB" smtClean="0"/>
               <a:pPr/>
-              <a:t>11/16/17</a:t>
+              <a:t>11/21/17</a:t>
             </a:fld>
             <a:endParaRPr lang="en-GB"/>
           </a:p>
@@ -834,7 +1428,7 @@
             <a:fld id="{7FD50ED9-9F09-344A-ABCC-FCE4200657C8}" type="datetimeFigureOut">
               <a:rPr lang="en-GB" smtClean="0"/>
               <a:pPr/>
-              <a:t>11/16/17</a:t>
+              <a:t>11/21/17</a:t>
             </a:fld>
             <a:endParaRPr lang="en-GB"/>
           </a:p>
@@ -1077,7 +1671,7 @@
             <a:fld id="{7FD50ED9-9F09-344A-ABCC-FCE4200657C8}" type="datetimeFigureOut">
               <a:rPr lang="en-GB" smtClean="0"/>
               <a:pPr/>
-              <a:t>11/16/17</a:t>
+              <a:t>11/21/17</a:t>
             </a:fld>
             <a:endParaRPr lang="en-GB"/>
           </a:p>
@@ -1362,7 +1956,7 @@
             <a:fld id="{7FD50ED9-9F09-344A-ABCC-FCE4200657C8}" type="datetimeFigureOut">
               <a:rPr lang="en-GB" smtClean="0"/>
               <a:pPr/>
-              <a:t>11/16/17</a:t>
+              <a:t>11/21/17</a:t>
             </a:fld>
             <a:endParaRPr lang="en-GB"/>
           </a:p>
@@ -1781,7 +2375,7 @@
             <a:fld id="{7FD50ED9-9F09-344A-ABCC-FCE4200657C8}" type="datetimeFigureOut">
               <a:rPr lang="en-GB" smtClean="0"/>
               <a:pPr/>
-              <a:t>11/16/17</a:t>
+              <a:t>11/21/17</a:t>
             </a:fld>
             <a:endParaRPr lang="en-GB"/>
           </a:p>
@@ -1896,7 +2490,7 @@
             <a:fld id="{7FD50ED9-9F09-344A-ABCC-FCE4200657C8}" type="datetimeFigureOut">
               <a:rPr lang="en-GB" smtClean="0"/>
               <a:pPr/>
-              <a:t>11/16/17</a:t>
+              <a:t>11/21/17</a:t>
             </a:fld>
             <a:endParaRPr lang="en-GB"/>
           </a:p>
@@ -1988,7 +2582,7 @@
             <a:fld id="{7FD50ED9-9F09-344A-ABCC-FCE4200657C8}" type="datetimeFigureOut">
               <a:rPr lang="en-GB" smtClean="0"/>
               <a:pPr/>
-              <a:t>11/16/17</a:t>
+              <a:t>11/21/17</a:t>
             </a:fld>
             <a:endParaRPr lang="en-GB"/>
           </a:p>
@@ -2262,7 +2856,7 @@
             <a:fld id="{7FD50ED9-9F09-344A-ABCC-FCE4200657C8}" type="datetimeFigureOut">
               <a:rPr lang="en-GB" smtClean="0"/>
               <a:pPr/>
-              <a:t>11/16/17</a:t>
+              <a:t>11/21/17</a:t>
             </a:fld>
             <a:endParaRPr lang="en-GB"/>
           </a:p>
@@ -2512,7 +3106,7 @@
             <a:fld id="{7FD50ED9-9F09-344A-ABCC-FCE4200657C8}" type="datetimeFigureOut">
               <a:rPr lang="en-GB" smtClean="0"/>
               <a:pPr/>
-              <a:t>11/16/17</a:t>
+              <a:t>11/21/17</a:t>
             </a:fld>
             <a:endParaRPr lang="en-GB"/>
           </a:p>
@@ -2722,7 +3316,7 @@
             <a:fld id="{7FD50ED9-9F09-344A-ABCC-FCE4200657C8}" type="datetimeFigureOut">
               <a:rPr lang="en-GB" smtClean="0"/>
               <a:pPr/>
-              <a:t>11/16/17</a:t>
+              <a:t>11/21/17</a:t>
             </a:fld>
             <a:endParaRPr lang="en-GB"/>
           </a:p>
@@ -3597,11 +4191,7 @@
           <a:p>
             <a:r>
               <a:rPr lang="en-GB" dirty="0" smtClean="0"/>
-              <a:t>Search </a:t>
-            </a:r>
-            <a:r>
-              <a:rPr lang="en-GB" dirty="0" smtClean="0"/>
-              <a:t>spaces and optima</a:t>
+              <a:t>Search spaces and optima</a:t>
             </a:r>
             <a:endParaRPr lang="en-GB" dirty="0"/>
           </a:p>
@@ -3731,21 +4321,13 @@
           <a:p>
             <a:r>
               <a:rPr lang="en-GB" dirty="0" smtClean="0"/>
-              <a:t>Especially for complex problems, our inference will only be as robust as </a:t>
-            </a:r>
-            <a:r>
-              <a:rPr lang="en-GB" dirty="0" smtClean="0"/>
-              <a:t>our strategies to find an optimum</a:t>
-            </a:r>
-          </a:p>
-          <a:p>
-            <a:r>
-              <a:rPr lang="en-GB" dirty="0" smtClean="0"/>
-              <a:t>Most searches split into a </a:t>
-            </a:r>
-            <a:r>
-              <a:rPr lang="en-GB" dirty="0" smtClean="0"/>
-              <a:t>quick-and-dirty </a:t>
+              <a:t>Especially for complex problems, our inference will only be as robust as our strategies to find an optimum</a:t>
+            </a:r>
+          </a:p>
+          <a:p>
+            <a:r>
+              <a:rPr lang="en-GB" dirty="0" smtClean="0"/>
+              <a:t>Most searches split into a quick-and-dirty </a:t>
             </a:r>
             <a:r>
               <a:rPr lang="en-GB" dirty="0" err="1" smtClean="0"/>
@@ -3759,11 +4341,7 @@
           <a:p>
             <a:r>
               <a:rPr lang="en-GB" dirty="0" smtClean="0"/>
-              <a:t>Rapid gradient descent from starting points and </a:t>
-            </a:r>
-            <a:r>
-              <a:rPr lang="en-GB" dirty="0" smtClean="0"/>
-              <a:t>some combination of cunning (random jumps, exchanges, etc)</a:t>
+              <a:t>Rapid gradient descent from starting points and some combination of cunning (random jumps, exchanges, etc)</a:t>
             </a:r>
             <a:endParaRPr lang="en-GB" dirty="0"/>
           </a:p>
@@ -4622,6 +5200,258 @@
       </p:grpSpPr>
       <p:sp>
         <p:nvSpPr>
+          <p:cNvPr id="57" name="Rectangle 56"/>
+          <p:cNvSpPr/>
+          <p:nvPr/>
+        </p:nvSpPr>
+        <p:spPr>
+          <a:xfrm>
+            <a:off x="4177695" y="5515571"/>
+            <a:ext cx="4966305" cy="1271809"/>
+          </a:xfrm>
+          <a:prstGeom prst="rect">
+            <a:avLst/>
+          </a:prstGeom>
+          <a:solidFill>
+            <a:schemeClr val="bg1">
+              <a:lumMod val="85000"/>
+            </a:schemeClr>
+          </a:solidFill>
+          <a:ln>
+            <a:noFill/>
+          </a:ln>
+          <a:effectLst/>
+        </p:spPr>
+        <p:style>
+          <a:lnRef idx="1">
+            <a:schemeClr val="accent1"/>
+          </a:lnRef>
+          <a:fillRef idx="3">
+            <a:schemeClr val="accent1"/>
+          </a:fillRef>
+          <a:effectRef idx="2">
+            <a:schemeClr val="accent1"/>
+          </a:effectRef>
+          <a:fontRef idx="minor">
+            <a:schemeClr val="lt1"/>
+          </a:fontRef>
+        </p:style>
+        <p:txBody>
+          <a:bodyPr rtlCol="0" anchor="b"/>
+          <a:lstStyle/>
+          <a:p>
+            <a:pPr algn="r"/>
+            <a:endParaRPr lang="en-GB" sz="1400" dirty="0">
+              <a:solidFill>
+                <a:schemeClr val="tx1"/>
+              </a:solidFill>
+            </a:endParaRPr>
+          </a:p>
+        </p:txBody>
+      </p:sp>
+      <p:sp>
+        <p:nvSpPr>
+          <p:cNvPr id="55" name="Rectangle 54"/>
+          <p:cNvSpPr/>
+          <p:nvPr/>
+        </p:nvSpPr>
+        <p:spPr>
+          <a:xfrm>
+            <a:off x="4177695" y="4191890"/>
+            <a:ext cx="4966305" cy="1271809"/>
+          </a:xfrm>
+          <a:prstGeom prst="rect">
+            <a:avLst/>
+          </a:prstGeom>
+          <a:solidFill>
+            <a:schemeClr val="bg1"/>
+          </a:solidFill>
+          <a:ln w="12700" cap="flat" cmpd="sng" algn="ctr">
+            <a:solidFill>
+              <a:schemeClr val="tx1">
+                <a:lumMod val="75000"/>
+                <a:lumOff val="25000"/>
+              </a:schemeClr>
+            </a:solidFill>
+            <a:prstDash val="dot"/>
+            <a:round/>
+            <a:headEnd type="none" w="med" len="med"/>
+            <a:tailEnd type="none" w="med" len="med"/>
+          </a:ln>
+          <a:effectLst/>
+        </p:spPr>
+        <p:style>
+          <a:lnRef idx="1">
+            <a:schemeClr val="accent1"/>
+          </a:lnRef>
+          <a:fillRef idx="3">
+            <a:schemeClr val="accent1"/>
+          </a:fillRef>
+          <a:effectRef idx="2">
+            <a:schemeClr val="accent1"/>
+          </a:effectRef>
+          <a:fontRef idx="minor">
+            <a:schemeClr val="lt1"/>
+          </a:fontRef>
+        </p:style>
+        <p:txBody>
+          <a:bodyPr rtlCol="0" anchor="b"/>
+          <a:lstStyle/>
+          <a:p>
+            <a:pPr algn="r"/>
+            <a:endParaRPr lang="en-GB" sz="1400" dirty="0">
+              <a:solidFill>
+                <a:schemeClr val="tx1"/>
+              </a:solidFill>
+            </a:endParaRPr>
+          </a:p>
+        </p:txBody>
+      </p:sp>
+      <p:sp>
+        <p:nvSpPr>
+          <p:cNvPr id="54" name="Rectangle 53"/>
+          <p:cNvSpPr/>
+          <p:nvPr/>
+        </p:nvSpPr>
+        <p:spPr>
+          <a:xfrm>
+            <a:off x="457200" y="4183179"/>
+            <a:ext cx="3340705" cy="1271809"/>
+          </a:xfrm>
+          <a:prstGeom prst="rect">
+            <a:avLst/>
+          </a:prstGeom>
+          <a:solidFill>
+            <a:schemeClr val="bg1"/>
+          </a:solidFill>
+          <a:ln w="12700" cap="flat" cmpd="sng" algn="ctr">
+            <a:solidFill>
+              <a:schemeClr val="tx1">
+                <a:lumMod val="75000"/>
+                <a:lumOff val="25000"/>
+              </a:schemeClr>
+            </a:solidFill>
+            <a:prstDash val="dot"/>
+            <a:round/>
+            <a:headEnd type="none" w="med" len="med"/>
+            <a:tailEnd type="none" w="med" len="med"/>
+          </a:ln>
+          <a:effectLst/>
+        </p:spPr>
+        <p:style>
+          <a:lnRef idx="1">
+            <a:schemeClr val="accent1"/>
+          </a:lnRef>
+          <a:fillRef idx="3">
+            <a:schemeClr val="accent1"/>
+          </a:fillRef>
+          <a:effectRef idx="2">
+            <a:schemeClr val="accent1"/>
+          </a:effectRef>
+          <a:fontRef idx="minor">
+            <a:schemeClr val="lt1"/>
+          </a:fontRef>
+        </p:style>
+        <p:txBody>
+          <a:bodyPr rtlCol="0" anchor="b"/>
+          <a:lstStyle/>
+          <a:p>
+            <a:pPr algn="r"/>
+            <a:r>
+              <a:rPr lang="en-GB" sz="1400" dirty="0" smtClean="0">
+                <a:solidFill>
+                  <a:schemeClr val="tx1"/>
+                </a:solidFill>
+              </a:rPr>
+              <a:t>(</a:t>
+            </a:r>
+            <a:r>
+              <a:rPr lang="en-GB" sz="1400" i="1" dirty="0" smtClean="0">
+                <a:solidFill>
+                  <a:schemeClr val="tx1"/>
+                </a:solidFill>
+              </a:rPr>
+              <a:t>Hidden</a:t>
+            </a:r>
+            <a:r>
+              <a:rPr lang="en-GB" sz="1400" dirty="0" smtClean="0">
+                <a:solidFill>
+                  <a:schemeClr val="tx1"/>
+                </a:solidFill>
+              </a:rPr>
+              <a:t>)</a:t>
+            </a:r>
+          </a:p>
+          <a:p>
+            <a:pPr algn="r"/>
+            <a:endParaRPr lang="en-GB" sz="1400" dirty="0">
+              <a:solidFill>
+                <a:schemeClr val="tx1"/>
+              </a:solidFill>
+            </a:endParaRPr>
+          </a:p>
+        </p:txBody>
+      </p:sp>
+      <p:sp>
+        <p:nvSpPr>
+          <p:cNvPr id="71" name="Rectangle 70"/>
+          <p:cNvSpPr/>
+          <p:nvPr/>
+        </p:nvSpPr>
+        <p:spPr>
+          <a:xfrm>
+            <a:off x="457200" y="5527521"/>
+            <a:ext cx="3340705" cy="1271809"/>
+          </a:xfrm>
+          <a:prstGeom prst="rect">
+            <a:avLst/>
+          </a:prstGeom>
+          <a:solidFill>
+            <a:schemeClr val="bg1">
+              <a:lumMod val="85000"/>
+            </a:schemeClr>
+          </a:solidFill>
+          <a:ln>
+            <a:noFill/>
+          </a:ln>
+        </p:spPr>
+        <p:style>
+          <a:lnRef idx="1">
+            <a:schemeClr val="accent1"/>
+          </a:lnRef>
+          <a:fillRef idx="3">
+            <a:schemeClr val="accent1"/>
+          </a:fillRef>
+          <a:effectRef idx="2">
+            <a:schemeClr val="accent1"/>
+          </a:effectRef>
+          <a:fontRef idx="minor">
+            <a:schemeClr val="lt1"/>
+          </a:fontRef>
+        </p:style>
+        <p:txBody>
+          <a:bodyPr rtlCol="0" anchor="b"/>
+          <a:lstStyle/>
+          <a:p>
+            <a:pPr algn="r"/>
+            <a:r>
+              <a:rPr lang="en-GB" sz="1400" dirty="0" smtClean="0">
+                <a:solidFill>
+                  <a:schemeClr val="tx1"/>
+                </a:solidFill>
+              </a:rPr>
+              <a:t>(Observed)</a:t>
+            </a:r>
+            <a:endParaRPr lang="en-GB" sz="1400" dirty="0">
+              <a:solidFill>
+                <a:schemeClr val="tx1"/>
+              </a:solidFill>
+            </a:endParaRPr>
+          </a:p>
+        </p:txBody>
+      </p:sp>
+      <p:sp>
+        <p:nvSpPr>
           <p:cNvPr id="2" name="Title 1"/>
           <p:cNvSpPr>
             <a:spLocks noGrp="1"/>
@@ -4683,19 +5513,11 @@
             </a:r>
             <a:r>
               <a:rPr lang="en-GB" dirty="0" smtClean="0"/>
-              <a:t> </a:t>
-            </a:r>
-            <a:r>
-              <a:rPr lang="en-GB" dirty="0" smtClean="0"/>
-              <a:t>x</a:t>
+              <a:t> x</a:t>
             </a:r>
             <a:r>
               <a:rPr lang="en-GB" baseline="-25000" dirty="0" smtClean="0"/>
-              <a:t>2</a:t>
-            </a:r>
-            <a:r>
-              <a:rPr lang="en-GB" baseline="-25000" dirty="0" smtClean="0"/>
-              <a:t>,…</a:t>
+              <a:t>2,…</a:t>
             </a:r>
             <a:r>
               <a:rPr lang="en-GB" dirty="0" smtClean="0"/>
@@ -4719,23 +5541,15 @@
             </a:r>
             <a:r>
               <a:rPr lang="en-GB" baseline="-25000" dirty="0" smtClean="0"/>
-              <a:t>1</a:t>
+              <a:t>1,</a:t>
+            </a:r>
+            <a:r>
+              <a:rPr lang="en-GB" dirty="0" smtClean="0"/>
+              <a:t> y</a:t>
             </a:r>
             <a:r>
               <a:rPr lang="en-GB" baseline="-25000" dirty="0" smtClean="0"/>
-              <a:t>,</a:t>
-            </a:r>
-            <a:r>
-              <a:rPr lang="en-GB" dirty="0" smtClean="0"/>
-              <a:t> y</a:t>
-            </a:r>
-            <a:r>
-              <a:rPr lang="en-GB" baseline="-25000" dirty="0" smtClean="0"/>
-              <a:t>2,</a:t>
-            </a:r>
-            <a:r>
-              <a:rPr lang="en-GB" baseline="-25000" dirty="0" smtClean="0"/>
-              <a:t>…</a:t>
+              <a:t>2,…</a:t>
             </a:r>
             <a:r>
               <a:rPr lang="en-GB" dirty="0" err="1" smtClean="0"/>
@@ -4815,11 +5629,23 @@
           </a:fontRef>
         </p:style>
         <p:txBody>
-          <a:bodyPr rtlCol="0" anchor="ctr"/>
+          <a:bodyPr wrap="none" rtlCol="0" anchor="ctr"/>
           <a:lstStyle/>
           <a:p>
             <a:pPr algn="ctr"/>
-            <a:endParaRPr lang="en-GB"/>
+            <a:r>
+              <a:rPr lang="en-GB" dirty="0" smtClean="0">
+                <a:solidFill>
+                  <a:srgbClr val="E46C0A"/>
+                </a:solidFill>
+              </a:rPr>
+              <a:t>Rainy</a:t>
+            </a:r>
+            <a:endParaRPr lang="en-GB" dirty="0">
+              <a:solidFill>
+                <a:srgbClr val="E46C0A"/>
+              </a:solidFill>
+            </a:endParaRPr>
           </a:p>
         </p:txBody>
       </p:sp>
@@ -4862,11 +5688,18 @@
           </a:fontRef>
         </p:style>
         <p:txBody>
-          <a:bodyPr rtlCol="0" anchor="ctr"/>
+          <a:bodyPr wrap="none" rtlCol="0" anchor="ctr"/>
           <a:lstStyle/>
           <a:p>
             <a:pPr algn="ctr"/>
-            <a:endParaRPr lang="en-GB"/>
+            <a:r>
+              <a:rPr lang="en-GB" dirty="0" smtClean="0">
+                <a:solidFill>
+                  <a:srgbClr val="FF0000"/>
+                </a:solidFill>
+              </a:rPr>
+              <a:t>Sunny</a:t>
+            </a:r>
           </a:p>
         </p:txBody>
       </p:sp>
@@ -4878,13 +5711,15 @@
         </p:nvSpPr>
         <p:spPr>
           <a:xfrm>
-            <a:off x="723900" y="5684838"/>
+            <a:off x="723900" y="5890453"/>
             <a:ext cx="703262" cy="703262"/>
           </a:xfrm>
           <a:prstGeom prst="ellipse">
             <a:avLst/>
           </a:prstGeom>
-          <a:noFill/>
+          <a:solidFill>
+            <a:srgbClr val="FFFFFF"/>
+          </a:solidFill>
           <a:ln>
             <a:solidFill>
               <a:schemeClr val="tx1"/>
@@ -4907,11 +5742,23 @@
           </a:fontRef>
         </p:style>
         <p:txBody>
-          <a:bodyPr rtlCol="0" anchor="ctr"/>
+          <a:bodyPr wrap="none" rtlCol="0" anchor="ctr"/>
           <a:lstStyle/>
           <a:p>
             <a:pPr algn="ctr"/>
-            <a:endParaRPr lang="en-GB"/>
+            <a:r>
+              <a:rPr lang="en-GB" dirty="0" smtClean="0">
+                <a:solidFill>
+                  <a:srgbClr val="000000"/>
+                </a:solidFill>
+              </a:rPr>
+              <a:t>Coat</a:t>
+            </a:r>
+            <a:endParaRPr lang="en-GB" dirty="0">
+              <a:solidFill>
+                <a:srgbClr val="000000"/>
+              </a:solidFill>
+            </a:endParaRPr>
           </a:p>
         </p:txBody>
       </p:sp>
@@ -4923,13 +5770,15 @@
         </p:nvSpPr>
         <p:spPr>
           <a:xfrm>
-            <a:off x="1629569" y="5684838"/>
+            <a:off x="1629569" y="5890453"/>
             <a:ext cx="703262" cy="703262"/>
           </a:xfrm>
           <a:prstGeom prst="ellipse">
             <a:avLst/>
           </a:prstGeom>
-          <a:noFill/>
+          <a:solidFill>
+            <a:srgbClr val="FFFFFF"/>
+          </a:solidFill>
           <a:ln>
             <a:solidFill>
               <a:schemeClr val="tx1"/>
@@ -4952,11 +5801,23 @@
           </a:fontRef>
         </p:style>
         <p:txBody>
-          <a:bodyPr rtlCol="0" anchor="ctr"/>
+          <a:bodyPr wrap="none" rtlCol="0" anchor="ctr"/>
           <a:lstStyle/>
           <a:p>
             <a:pPr algn="ctr"/>
-            <a:endParaRPr lang="en-GB"/>
+            <a:r>
+              <a:rPr lang="en-GB" dirty="0" err="1" smtClean="0">
+                <a:solidFill>
+                  <a:srgbClr val="000000"/>
+                </a:solidFill>
+              </a:rPr>
+              <a:t>Hoody</a:t>
+            </a:r>
+            <a:endParaRPr lang="en-GB" dirty="0">
+              <a:solidFill>
+                <a:srgbClr val="000000"/>
+              </a:solidFill>
+            </a:endParaRPr>
           </a:p>
         </p:txBody>
       </p:sp>
@@ -4968,13 +5829,15 @@
         </p:nvSpPr>
         <p:spPr>
           <a:xfrm>
-            <a:off x="2425700" y="5684838"/>
+            <a:off x="2425700" y="5890453"/>
             <a:ext cx="703262" cy="703262"/>
           </a:xfrm>
           <a:prstGeom prst="ellipse">
             <a:avLst/>
           </a:prstGeom>
-          <a:noFill/>
+          <a:solidFill>
+            <a:schemeClr val="bg1"/>
+          </a:solidFill>
           <a:ln>
             <a:solidFill>
               <a:schemeClr val="tx1"/>
@@ -4997,11 +5860,23 @@
           </a:fontRef>
         </p:style>
         <p:txBody>
-          <a:bodyPr rtlCol="0" anchor="ctr"/>
+          <a:bodyPr wrap="none" rtlCol="0" anchor="ctr"/>
           <a:lstStyle/>
           <a:p>
             <a:pPr algn="ctr"/>
-            <a:endParaRPr lang="en-GB"/>
+            <a:r>
+              <a:rPr lang="en-GB" dirty="0" smtClean="0">
+                <a:solidFill>
+                  <a:srgbClr val="000000"/>
+                </a:solidFill>
+              </a:rPr>
+              <a:t>T-shirt</a:t>
+            </a:r>
+            <a:endParaRPr lang="en-GB" dirty="0">
+              <a:solidFill>
+                <a:srgbClr val="000000"/>
+              </a:solidFill>
+            </a:endParaRPr>
           </a:p>
         </p:txBody>
       </p:sp>
@@ -5052,7 +5927,11 @@
           <a:lstStyle/>
           <a:p>
             <a:pPr algn="ctr"/>
-            <a:endParaRPr lang="en-GB"/>
+            <a:r>
+              <a:rPr lang="en-GB" dirty="0" smtClean="0"/>
+              <a:t>R</a:t>
+            </a:r>
+            <a:endParaRPr lang="en-GB" dirty="0"/>
           </a:p>
         </p:txBody>
       </p:sp>
@@ -5099,7 +5978,11 @@
           <a:lstStyle/>
           <a:p>
             <a:pPr algn="ctr"/>
-            <a:endParaRPr lang="en-GB"/>
+            <a:r>
+              <a:rPr lang="en-GB" dirty="0" smtClean="0"/>
+              <a:t>R</a:t>
+            </a:r>
+            <a:endParaRPr lang="en-GB" dirty="0"/>
           </a:p>
         </p:txBody>
       </p:sp>
@@ -5146,7 +6029,11 @@
           <a:lstStyle/>
           <a:p>
             <a:pPr algn="ctr"/>
-            <a:endParaRPr lang="en-GB"/>
+            <a:r>
+              <a:rPr lang="en-GB" dirty="0" smtClean="0"/>
+              <a:t>S</a:t>
+            </a:r>
+            <a:endParaRPr lang="en-GB" dirty="0"/>
           </a:p>
         </p:txBody>
       </p:sp>
@@ -5193,7 +6080,11 @@
           <a:lstStyle/>
           <a:p>
             <a:pPr algn="ctr"/>
-            <a:endParaRPr lang="en-GB"/>
+            <a:r>
+              <a:rPr lang="en-GB" dirty="0" smtClean="0"/>
+              <a:t>R</a:t>
+            </a:r>
+            <a:endParaRPr lang="en-GB" dirty="0"/>
           </a:p>
         </p:txBody>
       </p:sp>
@@ -5240,7 +6131,11 @@
           <a:lstStyle/>
           <a:p>
             <a:pPr algn="ctr"/>
-            <a:endParaRPr lang="en-GB"/>
+            <a:r>
+              <a:rPr lang="en-GB" dirty="0" smtClean="0"/>
+              <a:t>S</a:t>
+            </a:r>
+            <a:endParaRPr lang="en-GB" dirty="0"/>
           </a:p>
         </p:txBody>
       </p:sp>
@@ -5287,7 +6182,11 @@
           <a:lstStyle/>
           <a:p>
             <a:pPr algn="ctr"/>
-            <a:endParaRPr lang="en-GB"/>
+            <a:r>
+              <a:rPr lang="en-GB" dirty="0" smtClean="0"/>
+              <a:t>?</a:t>
+            </a:r>
+            <a:endParaRPr lang="en-GB" dirty="0"/>
           </a:p>
         </p:txBody>
       </p:sp>
@@ -5305,7 +6204,9 @@
           <a:prstGeom prst="ellipse">
             <a:avLst/>
           </a:prstGeom>
-          <a:noFill/>
+          <a:solidFill>
+            <a:srgbClr val="FFFFFF"/>
+          </a:solidFill>
           <a:ln>
             <a:solidFill>
               <a:schemeClr val="tx1"/>
@@ -5332,7 +6233,19 @@
           <a:lstStyle/>
           <a:p>
             <a:pPr algn="ctr"/>
-            <a:endParaRPr lang="en-GB"/>
+            <a:r>
+              <a:rPr lang="en-GB" dirty="0" smtClean="0">
+                <a:solidFill>
+                  <a:srgbClr val="000000"/>
+                </a:solidFill>
+              </a:rPr>
+              <a:t>C</a:t>
+            </a:r>
+            <a:endParaRPr lang="en-GB" dirty="0">
+              <a:solidFill>
+                <a:srgbClr val="000000"/>
+              </a:solidFill>
+            </a:endParaRPr>
           </a:p>
         </p:txBody>
       </p:sp>
@@ -5350,7 +6263,9 @@
           <a:prstGeom prst="ellipse">
             <a:avLst/>
           </a:prstGeom>
-          <a:noFill/>
+          <a:solidFill>
+            <a:srgbClr val="FFFFFF"/>
+          </a:solidFill>
           <a:ln>
             <a:solidFill>
               <a:schemeClr val="tx1"/>
@@ -5377,7 +6292,19 @@
           <a:lstStyle/>
           <a:p>
             <a:pPr algn="ctr"/>
-            <a:endParaRPr lang="en-GB"/>
+            <a:r>
+              <a:rPr lang="en-GB" dirty="0" smtClean="0">
+                <a:solidFill>
+                  <a:srgbClr val="000000"/>
+                </a:solidFill>
+              </a:rPr>
+              <a:t>H</a:t>
+            </a:r>
+            <a:endParaRPr lang="en-GB" dirty="0">
+              <a:solidFill>
+                <a:srgbClr val="000000"/>
+              </a:solidFill>
+            </a:endParaRPr>
           </a:p>
         </p:txBody>
       </p:sp>
@@ -5395,7 +6322,9 @@
           <a:prstGeom prst="ellipse">
             <a:avLst/>
           </a:prstGeom>
-          <a:noFill/>
+          <a:solidFill>
+            <a:srgbClr val="FFFFFF"/>
+          </a:solidFill>
           <a:ln>
             <a:solidFill>
               <a:schemeClr val="tx1"/>
@@ -5422,7 +6351,19 @@
           <a:lstStyle/>
           <a:p>
             <a:pPr algn="ctr"/>
-            <a:endParaRPr lang="en-GB"/>
+            <a:r>
+              <a:rPr lang="en-GB" dirty="0" smtClean="0">
+                <a:solidFill>
+                  <a:srgbClr val="000000"/>
+                </a:solidFill>
+              </a:rPr>
+              <a:t>R</a:t>
+            </a:r>
+            <a:endParaRPr lang="en-GB" dirty="0">
+              <a:solidFill>
+                <a:srgbClr val="000000"/>
+              </a:solidFill>
+            </a:endParaRPr>
           </a:p>
         </p:txBody>
       </p:sp>
@@ -5440,7 +6381,9 @@
           <a:prstGeom prst="ellipse">
             <a:avLst/>
           </a:prstGeom>
-          <a:noFill/>
+          <a:solidFill>
+            <a:srgbClr val="FFFFFF"/>
+          </a:solidFill>
           <a:ln>
             <a:solidFill>
               <a:schemeClr val="tx1"/>
@@ -5467,7 +6410,19 @@
           <a:lstStyle/>
           <a:p>
             <a:pPr algn="ctr"/>
-            <a:endParaRPr lang="en-GB"/>
+            <a:r>
+              <a:rPr lang="en-GB" dirty="0" smtClean="0">
+                <a:solidFill>
+                  <a:srgbClr val="000000"/>
+                </a:solidFill>
+              </a:rPr>
+              <a:t>T</a:t>
+            </a:r>
+            <a:endParaRPr lang="en-GB" dirty="0">
+              <a:solidFill>
+                <a:srgbClr val="000000"/>
+              </a:solidFill>
+            </a:endParaRPr>
           </a:p>
         </p:txBody>
       </p:sp>
@@ -5485,7 +6440,9 @@
           <a:prstGeom prst="ellipse">
             <a:avLst/>
           </a:prstGeom>
-          <a:noFill/>
+          <a:solidFill>
+            <a:srgbClr val="FFFFFF"/>
+          </a:solidFill>
           <a:ln>
             <a:solidFill>
               <a:schemeClr val="tx1"/>
@@ -5512,7 +6469,19 @@
           <a:lstStyle/>
           <a:p>
             <a:pPr algn="ctr"/>
-            <a:endParaRPr lang="en-GB"/>
+            <a:r>
+              <a:rPr lang="en-GB" dirty="0" smtClean="0">
+                <a:solidFill>
+                  <a:srgbClr val="000000"/>
+                </a:solidFill>
+              </a:rPr>
+              <a:t>T</a:t>
+            </a:r>
+            <a:endParaRPr lang="en-GB" dirty="0">
+              <a:solidFill>
+                <a:srgbClr val="000000"/>
+              </a:solidFill>
+            </a:endParaRPr>
           </a:p>
         </p:txBody>
       </p:sp>
@@ -5530,7 +6499,9 @@
           <a:prstGeom prst="ellipse">
             <a:avLst/>
           </a:prstGeom>
-          <a:noFill/>
+          <a:solidFill>
+            <a:srgbClr val="FFFFFF"/>
+          </a:solidFill>
           <a:ln>
             <a:solidFill>
               <a:schemeClr val="tx1"/>
@@ -5557,7 +6528,19 @@
           <a:lstStyle/>
           <a:p>
             <a:pPr algn="ctr"/>
-            <a:endParaRPr lang="en-GB"/>
+            <a:r>
+              <a:rPr lang="en-GB" dirty="0" smtClean="0">
+                <a:solidFill>
+                  <a:srgbClr val="000000"/>
+                </a:solidFill>
+              </a:rPr>
+              <a:t>?</a:t>
+            </a:r>
+            <a:endParaRPr lang="en-GB" dirty="0">
+              <a:solidFill>
+                <a:srgbClr val="000000"/>
+              </a:solidFill>
+            </a:endParaRPr>
           </a:p>
         </p:txBody>
       </p:sp>
@@ -6007,6 +6990,828 @@
           </a:fontRef>
         </p:style>
       </p:cxnSp>
+      <p:cxnSp>
+        <p:nvCxnSpPr>
+          <p:cNvPr id="33" name="Curved Connector 32"/>
+          <p:cNvCxnSpPr>
+            <a:stCxn id="4" idx="2"/>
+            <a:endCxn id="4" idx="0"/>
+          </p:cNvCxnSpPr>
+          <p:nvPr/>
+        </p:nvCxnSpPr>
+        <p:spPr>
+          <a:xfrm rot="10800000" flipH="1">
+            <a:off x="1075530" y="4503739"/>
+            <a:ext cx="351631" cy="351631"/>
+          </a:xfrm>
+          <a:prstGeom prst="curvedConnector4">
+            <a:avLst>
+              <a:gd name="adj1" fmla="val -65011"/>
+              <a:gd name="adj2" fmla="val 165011"/>
+            </a:avLst>
+          </a:prstGeom>
+          <a:ln>
+            <a:solidFill>
+              <a:schemeClr val="tx1"/>
+            </a:solidFill>
+            <a:tailEnd type="arrow"/>
+          </a:ln>
+          <a:effectLst/>
+        </p:spPr>
+        <p:style>
+          <a:lnRef idx="2">
+            <a:schemeClr val="accent1"/>
+          </a:lnRef>
+          <a:fillRef idx="0">
+            <a:schemeClr val="accent1"/>
+          </a:fillRef>
+          <a:effectRef idx="1">
+            <a:schemeClr val="accent1"/>
+          </a:effectRef>
+          <a:fontRef idx="minor">
+            <a:schemeClr val="tx1"/>
+          </a:fontRef>
+        </p:style>
+      </p:cxnSp>
+      <p:cxnSp>
+        <p:nvCxnSpPr>
+          <p:cNvPr id="43" name="Curved Connector 32"/>
+          <p:cNvCxnSpPr>
+            <a:stCxn id="5" idx="6"/>
+            <a:endCxn id="5" idx="0"/>
+          </p:cNvCxnSpPr>
+          <p:nvPr/>
+        </p:nvCxnSpPr>
+        <p:spPr>
+          <a:xfrm flipH="1" flipV="1">
+            <a:off x="2425700" y="4503738"/>
+            <a:ext cx="351631" cy="351631"/>
+          </a:xfrm>
+          <a:prstGeom prst="curvedConnector4">
+            <a:avLst>
+              <a:gd name="adj1" fmla="val -65011"/>
+              <a:gd name="adj2" fmla="val 165011"/>
+            </a:avLst>
+          </a:prstGeom>
+          <a:ln>
+            <a:solidFill>
+              <a:schemeClr val="tx1"/>
+            </a:solidFill>
+            <a:tailEnd type="arrow"/>
+          </a:ln>
+          <a:effectLst/>
+        </p:spPr>
+        <p:style>
+          <a:lnRef idx="2">
+            <a:schemeClr val="accent1"/>
+          </a:lnRef>
+          <a:fillRef idx="0">
+            <a:schemeClr val="accent1"/>
+          </a:fillRef>
+          <a:effectRef idx="1">
+            <a:schemeClr val="accent1"/>
+          </a:effectRef>
+          <a:fontRef idx="minor">
+            <a:schemeClr val="tx1"/>
+          </a:fontRef>
+        </p:style>
+      </p:cxnSp>
+      <p:cxnSp>
+        <p:nvCxnSpPr>
+          <p:cNvPr id="46" name="Straight Arrow Connector 45"/>
+          <p:cNvCxnSpPr>
+            <a:stCxn id="5" idx="5"/>
+            <a:endCxn id="9" idx="0"/>
+          </p:cNvCxnSpPr>
+          <p:nvPr/>
+        </p:nvCxnSpPr>
+        <p:spPr>
+          <a:xfrm rot="16200000" flipH="1">
+            <a:off x="2332615" y="5445736"/>
+            <a:ext cx="786443" cy="102990"/>
+          </a:xfrm>
+          <a:prstGeom prst="straightConnector1">
+            <a:avLst/>
+          </a:prstGeom>
+          <a:ln w="25400" cap="flat" cmpd="sng" algn="ctr">
+            <a:solidFill>
+              <a:srgbClr val="000000"/>
+            </a:solidFill>
+            <a:prstDash val="solid"/>
+            <a:round/>
+            <a:headEnd type="none" w="med" len="med"/>
+            <a:tailEnd type="arrow" w="med" len="med"/>
+          </a:ln>
+          <a:effectLst/>
+        </p:spPr>
+        <p:style>
+          <a:lnRef idx="2">
+            <a:schemeClr val="accent1"/>
+          </a:lnRef>
+          <a:fillRef idx="0">
+            <a:schemeClr val="accent1"/>
+          </a:fillRef>
+          <a:effectRef idx="1">
+            <a:schemeClr val="accent1"/>
+          </a:effectRef>
+          <a:fontRef idx="minor">
+            <a:schemeClr val="tx1"/>
+          </a:fontRef>
+        </p:style>
+      </p:cxnSp>
+      <p:cxnSp>
+        <p:nvCxnSpPr>
+          <p:cNvPr id="49" name="Straight Arrow Connector 48"/>
+          <p:cNvCxnSpPr>
+            <a:stCxn id="5" idx="4"/>
+            <a:endCxn id="8" idx="7"/>
+          </p:cNvCxnSpPr>
+          <p:nvPr/>
+        </p:nvCxnSpPr>
+        <p:spPr>
+          <a:xfrm rot="5400000">
+            <a:off x="1934550" y="5502292"/>
+            <a:ext cx="786443" cy="195859"/>
+          </a:xfrm>
+          <a:prstGeom prst="straightConnector1">
+            <a:avLst/>
+          </a:prstGeom>
+          <a:ln w="25400" cap="flat" cmpd="sng" algn="ctr">
+            <a:solidFill>
+              <a:srgbClr val="000000"/>
+            </a:solidFill>
+            <a:prstDash val="solid"/>
+            <a:round/>
+            <a:headEnd type="none" w="med" len="med"/>
+            <a:tailEnd type="arrow" w="med" len="med"/>
+          </a:ln>
+          <a:effectLst/>
+        </p:spPr>
+        <p:style>
+          <a:lnRef idx="2">
+            <a:schemeClr val="accent1"/>
+          </a:lnRef>
+          <a:fillRef idx="0">
+            <a:schemeClr val="accent1"/>
+          </a:fillRef>
+          <a:effectRef idx="1">
+            <a:schemeClr val="accent1"/>
+          </a:effectRef>
+          <a:fontRef idx="minor">
+            <a:schemeClr val="tx1"/>
+          </a:fontRef>
+        </p:style>
+      </p:cxnSp>
+      <p:cxnSp>
+        <p:nvCxnSpPr>
+          <p:cNvPr id="53" name="Straight Arrow Connector 52"/>
+          <p:cNvCxnSpPr>
+            <a:stCxn id="5" idx="3"/>
+            <a:endCxn id="7" idx="7"/>
+          </p:cNvCxnSpPr>
+          <p:nvPr/>
+        </p:nvCxnSpPr>
+        <p:spPr>
+          <a:xfrm rot="5400000">
+            <a:off x="1305900" y="5122283"/>
+            <a:ext cx="889433" cy="852887"/>
+          </a:xfrm>
+          <a:prstGeom prst="straightConnector1">
+            <a:avLst/>
+          </a:prstGeom>
+          <a:ln w="25400" cap="flat" cmpd="sng" algn="ctr">
+            <a:solidFill>
+              <a:srgbClr val="000000"/>
+            </a:solidFill>
+            <a:prstDash val="solid"/>
+            <a:round/>
+            <a:headEnd type="none" w="med" len="med"/>
+            <a:tailEnd type="arrow" w="med" len="med"/>
+          </a:ln>
+          <a:effectLst/>
+        </p:spPr>
+        <p:style>
+          <a:lnRef idx="2">
+            <a:schemeClr val="accent1"/>
+          </a:lnRef>
+          <a:fillRef idx="0">
+            <a:schemeClr val="accent1"/>
+          </a:fillRef>
+          <a:effectRef idx="1">
+            <a:schemeClr val="accent1"/>
+          </a:effectRef>
+          <a:fontRef idx="minor">
+            <a:schemeClr val="tx1"/>
+          </a:fontRef>
+        </p:style>
+      </p:cxnSp>
+      <p:cxnSp>
+        <p:nvCxnSpPr>
+          <p:cNvPr id="56" name="Straight Arrow Connector 55"/>
+          <p:cNvCxnSpPr>
+            <a:stCxn id="4" idx="5"/>
+            <a:endCxn id="9" idx="1"/>
+          </p:cNvCxnSpPr>
+          <p:nvPr/>
+        </p:nvCxnSpPr>
+        <p:spPr>
+          <a:xfrm rot="16200000" flipH="1">
+            <a:off x="1657530" y="5122282"/>
+            <a:ext cx="889433" cy="852887"/>
+          </a:xfrm>
+          <a:prstGeom prst="straightConnector1">
+            <a:avLst/>
+          </a:prstGeom>
+          <a:ln w="25400" cap="flat" cmpd="sng" algn="ctr">
+            <a:solidFill>
+              <a:srgbClr val="000000"/>
+            </a:solidFill>
+            <a:prstDash val="solid"/>
+            <a:round/>
+            <a:headEnd type="none" w="med" len="med"/>
+            <a:tailEnd type="arrow" w="med" len="med"/>
+          </a:ln>
+          <a:effectLst/>
+        </p:spPr>
+        <p:style>
+          <a:lnRef idx="2">
+            <a:schemeClr val="accent1"/>
+          </a:lnRef>
+          <a:fillRef idx="0">
+            <a:schemeClr val="accent1"/>
+          </a:fillRef>
+          <a:effectRef idx="1">
+            <a:schemeClr val="accent1"/>
+          </a:effectRef>
+          <a:fontRef idx="minor">
+            <a:schemeClr val="tx1"/>
+          </a:fontRef>
+        </p:style>
+      </p:cxnSp>
+      <p:cxnSp>
+        <p:nvCxnSpPr>
+          <p:cNvPr id="59" name="Straight Arrow Connector 58"/>
+          <p:cNvCxnSpPr>
+            <a:stCxn id="4" idx="4"/>
+            <a:endCxn id="8" idx="0"/>
+          </p:cNvCxnSpPr>
+          <p:nvPr/>
+        </p:nvCxnSpPr>
+        <p:spPr>
+          <a:xfrm rot="16200000" flipH="1">
+            <a:off x="1362455" y="5271707"/>
+            <a:ext cx="683453" cy="554038"/>
+          </a:xfrm>
+          <a:prstGeom prst="straightConnector1">
+            <a:avLst/>
+          </a:prstGeom>
+          <a:ln w="25400" cap="flat" cmpd="sng" algn="ctr">
+            <a:solidFill>
+              <a:srgbClr val="000000"/>
+            </a:solidFill>
+            <a:prstDash val="solid"/>
+            <a:round/>
+            <a:headEnd type="none" w="med" len="med"/>
+            <a:tailEnd type="arrow" w="med" len="med"/>
+          </a:ln>
+          <a:effectLst/>
+        </p:spPr>
+        <p:style>
+          <a:lnRef idx="2">
+            <a:schemeClr val="accent1"/>
+          </a:lnRef>
+          <a:fillRef idx="0">
+            <a:schemeClr val="accent1"/>
+          </a:fillRef>
+          <a:effectRef idx="1">
+            <a:schemeClr val="accent1"/>
+          </a:effectRef>
+          <a:fontRef idx="minor">
+            <a:schemeClr val="tx1"/>
+          </a:fontRef>
+        </p:style>
+      </p:cxnSp>
+      <p:cxnSp>
+        <p:nvCxnSpPr>
+          <p:cNvPr id="62" name="Straight Arrow Connector 61"/>
+          <p:cNvCxnSpPr>
+            <a:stCxn id="4" idx="3"/>
+            <a:endCxn id="7" idx="0"/>
+          </p:cNvCxnSpPr>
+          <p:nvPr/>
+        </p:nvCxnSpPr>
+        <p:spPr>
+          <a:xfrm rot="5400000">
+            <a:off x="733805" y="5445736"/>
+            <a:ext cx="786443" cy="102990"/>
+          </a:xfrm>
+          <a:prstGeom prst="straightConnector1">
+            <a:avLst/>
+          </a:prstGeom>
+          <a:ln w="25400" cap="flat" cmpd="sng" algn="ctr">
+            <a:solidFill>
+              <a:srgbClr val="000000"/>
+            </a:solidFill>
+            <a:prstDash val="solid"/>
+            <a:round/>
+            <a:headEnd type="none" w="med" len="med"/>
+            <a:tailEnd type="arrow" w="med" len="med"/>
+          </a:ln>
+          <a:effectLst/>
+        </p:spPr>
+        <p:style>
+          <a:lnRef idx="2">
+            <a:schemeClr val="accent1"/>
+          </a:lnRef>
+          <a:fillRef idx="0">
+            <a:schemeClr val="accent1"/>
+          </a:fillRef>
+          <a:effectRef idx="1">
+            <a:schemeClr val="accent1"/>
+          </a:effectRef>
+          <a:fontRef idx="minor">
+            <a:schemeClr val="tx1"/>
+          </a:fontRef>
+        </p:style>
+      </p:cxnSp>
+      <p:cxnSp>
+        <p:nvCxnSpPr>
+          <p:cNvPr id="65" name="Straight Arrow Connector 64"/>
+          <p:cNvCxnSpPr>
+            <a:stCxn id="4" idx="7"/>
+            <a:endCxn id="5" idx="1"/>
+          </p:cNvCxnSpPr>
+          <p:nvPr/>
+        </p:nvCxnSpPr>
+        <p:spPr>
+          <a:xfrm rot="5400000" flipH="1" flipV="1">
+            <a:off x="1926431" y="4356100"/>
+            <a:ext cx="1588" cy="501256"/>
+          </a:xfrm>
+          <a:prstGeom prst="straightConnector1">
+            <a:avLst/>
+          </a:prstGeom>
+          <a:ln w="25400" cap="flat" cmpd="sng" algn="ctr">
+            <a:solidFill>
+              <a:srgbClr val="000000"/>
+            </a:solidFill>
+            <a:prstDash val="solid"/>
+            <a:round/>
+            <a:headEnd type="none" w="med" len="med"/>
+            <a:tailEnd type="arrow" w="med" len="med"/>
+          </a:ln>
+          <a:effectLst/>
+        </p:spPr>
+        <p:style>
+          <a:lnRef idx="2">
+            <a:schemeClr val="accent1"/>
+          </a:lnRef>
+          <a:fillRef idx="0">
+            <a:schemeClr val="accent1"/>
+          </a:fillRef>
+          <a:effectRef idx="1">
+            <a:schemeClr val="accent1"/>
+          </a:effectRef>
+          <a:fontRef idx="minor">
+            <a:schemeClr val="tx1"/>
+          </a:fontRef>
+        </p:style>
+      </p:cxnSp>
+      <p:cxnSp>
+        <p:nvCxnSpPr>
+          <p:cNvPr id="68" name="Straight Arrow Connector 67"/>
+          <p:cNvCxnSpPr>
+            <a:stCxn id="5" idx="2"/>
+            <a:endCxn id="4" idx="6"/>
+          </p:cNvCxnSpPr>
+          <p:nvPr/>
+        </p:nvCxnSpPr>
+        <p:spPr>
+          <a:xfrm rot="10800000">
+            <a:off x="1778793" y="4855369"/>
+            <a:ext cx="295276" cy="1588"/>
+          </a:xfrm>
+          <a:prstGeom prst="straightConnector1">
+            <a:avLst/>
+          </a:prstGeom>
+          <a:ln w="25400" cap="flat" cmpd="sng" algn="ctr">
+            <a:solidFill>
+              <a:srgbClr val="000000"/>
+            </a:solidFill>
+            <a:prstDash val="solid"/>
+            <a:round/>
+            <a:headEnd type="none" w="med" len="med"/>
+            <a:tailEnd type="arrow" w="med" len="med"/>
+          </a:ln>
+          <a:effectLst/>
+        </p:spPr>
+        <p:style>
+          <a:lnRef idx="2">
+            <a:schemeClr val="accent1"/>
+          </a:lnRef>
+          <a:fillRef idx="0">
+            <a:schemeClr val="accent1"/>
+          </a:fillRef>
+          <a:effectRef idx="1">
+            <a:schemeClr val="accent1"/>
+          </a:effectRef>
+          <a:fontRef idx="minor">
+            <a:schemeClr val="tx1"/>
+          </a:fontRef>
+        </p:style>
+      </p:cxnSp>
+      <p:sp>
+        <p:nvSpPr>
+          <p:cNvPr id="72" name="TextBox 71"/>
+          <p:cNvSpPr txBox="1"/>
+          <p:nvPr/>
+        </p:nvSpPr>
+        <p:spPr>
+          <a:xfrm>
+            <a:off x="250400" y="4324651"/>
+            <a:ext cx="688337" cy="369332"/>
+          </a:xfrm>
+          <a:prstGeom prst="rect">
+            <a:avLst/>
+          </a:prstGeom>
+          <a:noFill/>
+        </p:spPr>
+        <p:txBody>
+          <a:bodyPr wrap="none" rtlCol="0">
+            <a:spAutoFit/>
+          </a:bodyPr>
+          <a:lstStyle/>
+          <a:p>
+            <a:r>
+              <a:rPr lang="en-GB" i="1" dirty="0" smtClean="0">
+                <a:solidFill>
+                  <a:srgbClr val="0000FF"/>
+                </a:solidFill>
+              </a:rPr>
+              <a:t>0.65</a:t>
+            </a:r>
+            <a:endParaRPr lang="en-GB" i="1" dirty="0">
+              <a:solidFill>
+                <a:srgbClr val="0000FF"/>
+              </a:solidFill>
+            </a:endParaRPr>
+          </a:p>
+        </p:txBody>
+      </p:sp>
+      <p:sp>
+        <p:nvSpPr>
+          <p:cNvPr id="73" name="TextBox 72"/>
+          <p:cNvSpPr txBox="1"/>
+          <p:nvPr/>
+        </p:nvSpPr>
+        <p:spPr>
+          <a:xfrm>
+            <a:off x="1659251" y="4227891"/>
+            <a:ext cx="688337" cy="369332"/>
+          </a:xfrm>
+          <a:prstGeom prst="rect">
+            <a:avLst/>
+          </a:prstGeom>
+          <a:noFill/>
+        </p:spPr>
+        <p:txBody>
+          <a:bodyPr wrap="none" rtlCol="0">
+            <a:spAutoFit/>
+          </a:bodyPr>
+          <a:lstStyle/>
+          <a:p>
+            <a:r>
+              <a:rPr lang="en-GB" i="1" dirty="0" smtClean="0">
+                <a:solidFill>
+                  <a:srgbClr val="0000FF"/>
+                </a:solidFill>
+              </a:rPr>
+              <a:t>0.35</a:t>
+            </a:r>
+            <a:endParaRPr lang="en-GB" i="1" dirty="0">
+              <a:solidFill>
+                <a:srgbClr val="0000FF"/>
+              </a:solidFill>
+            </a:endParaRPr>
+          </a:p>
+        </p:txBody>
+      </p:sp>
+      <p:sp>
+        <p:nvSpPr>
+          <p:cNvPr id="74" name="TextBox 73"/>
+          <p:cNvSpPr txBox="1"/>
+          <p:nvPr/>
+        </p:nvSpPr>
+        <p:spPr>
+          <a:xfrm>
+            <a:off x="2971853" y="4251874"/>
+            <a:ext cx="559959" cy="369332"/>
+          </a:xfrm>
+          <a:prstGeom prst="rect">
+            <a:avLst/>
+          </a:prstGeom>
+          <a:noFill/>
+        </p:spPr>
+        <p:txBody>
+          <a:bodyPr wrap="none" rtlCol="0">
+            <a:spAutoFit/>
+          </a:bodyPr>
+          <a:lstStyle/>
+          <a:p>
+            <a:r>
+              <a:rPr lang="en-GB" i="1" dirty="0" smtClean="0">
+                <a:solidFill>
+                  <a:srgbClr val="0000FF"/>
+                </a:solidFill>
+              </a:rPr>
+              <a:t>0.7</a:t>
+            </a:r>
+            <a:endParaRPr lang="en-GB" i="1" dirty="0">
+              <a:solidFill>
+                <a:srgbClr val="0000FF"/>
+              </a:solidFill>
+            </a:endParaRPr>
+          </a:p>
+        </p:txBody>
+      </p:sp>
+      <p:sp>
+        <p:nvSpPr>
+          <p:cNvPr id="75" name="TextBox 74"/>
+          <p:cNvSpPr txBox="1"/>
+          <p:nvPr/>
+        </p:nvSpPr>
+        <p:spPr>
+          <a:xfrm>
+            <a:off x="1664935" y="4820672"/>
+            <a:ext cx="559959" cy="369332"/>
+          </a:xfrm>
+          <a:prstGeom prst="rect">
+            <a:avLst/>
+          </a:prstGeom>
+          <a:noFill/>
+        </p:spPr>
+        <p:txBody>
+          <a:bodyPr wrap="none" rtlCol="0">
+            <a:spAutoFit/>
+          </a:bodyPr>
+          <a:lstStyle/>
+          <a:p>
+            <a:r>
+              <a:rPr lang="en-GB" i="1" dirty="0" smtClean="0">
+                <a:solidFill>
+                  <a:srgbClr val="0000FF"/>
+                </a:solidFill>
+              </a:rPr>
+              <a:t>0.3</a:t>
+            </a:r>
+            <a:endParaRPr lang="en-GB" i="1" dirty="0">
+              <a:solidFill>
+                <a:srgbClr val="0000FF"/>
+              </a:solidFill>
+            </a:endParaRPr>
+          </a:p>
+        </p:txBody>
+      </p:sp>
+      <p:sp>
+        <p:nvSpPr>
+          <p:cNvPr id="76" name="TextBox 75"/>
+          <p:cNvSpPr txBox="1"/>
+          <p:nvPr/>
+        </p:nvSpPr>
+        <p:spPr>
+          <a:xfrm>
+            <a:off x="2674341" y="5207794"/>
+            <a:ext cx="477770" cy="307777"/>
+          </a:xfrm>
+          <a:prstGeom prst="rect">
+            <a:avLst/>
+          </a:prstGeom>
+          <a:noFill/>
+        </p:spPr>
+        <p:txBody>
+          <a:bodyPr wrap="none" rtlCol="0">
+            <a:spAutoFit/>
+          </a:bodyPr>
+          <a:lstStyle/>
+          <a:p>
+            <a:r>
+              <a:rPr lang="en-GB" sz="1400" i="1" dirty="0" smtClean="0">
+                <a:solidFill>
+                  <a:srgbClr val="FF0000"/>
+                </a:solidFill>
+              </a:rPr>
+              <a:t>0.7</a:t>
+            </a:r>
+            <a:endParaRPr lang="en-GB" sz="1400" i="1" dirty="0">
+              <a:solidFill>
+                <a:srgbClr val="FF0000"/>
+              </a:solidFill>
+            </a:endParaRPr>
+          </a:p>
+        </p:txBody>
+      </p:sp>
+      <p:sp>
+        <p:nvSpPr>
+          <p:cNvPr id="77" name="TextBox 76"/>
+          <p:cNvSpPr txBox="1"/>
+          <p:nvPr/>
+        </p:nvSpPr>
+        <p:spPr>
+          <a:xfrm>
+            <a:off x="2275371" y="5360194"/>
+            <a:ext cx="477770" cy="307777"/>
+          </a:xfrm>
+          <a:prstGeom prst="rect">
+            <a:avLst/>
+          </a:prstGeom>
+          <a:noFill/>
+        </p:spPr>
+        <p:txBody>
+          <a:bodyPr wrap="none" rtlCol="0">
+            <a:spAutoFit/>
+          </a:bodyPr>
+          <a:lstStyle/>
+          <a:p>
+            <a:r>
+              <a:rPr lang="en-GB" sz="1400" i="1" dirty="0" smtClean="0">
+                <a:solidFill>
+                  <a:srgbClr val="FF0000"/>
+                </a:solidFill>
+              </a:rPr>
+              <a:t>0.2</a:t>
+            </a:r>
+            <a:endParaRPr lang="en-GB" sz="1400" i="1" dirty="0">
+              <a:solidFill>
+                <a:srgbClr val="FF0000"/>
+              </a:solidFill>
+            </a:endParaRPr>
+          </a:p>
+        </p:txBody>
+      </p:sp>
+      <p:sp>
+        <p:nvSpPr>
+          <p:cNvPr id="78" name="TextBox 77"/>
+          <p:cNvSpPr txBox="1"/>
+          <p:nvPr/>
+        </p:nvSpPr>
+        <p:spPr>
+          <a:xfrm>
+            <a:off x="1930293" y="5155922"/>
+            <a:ext cx="477770" cy="307777"/>
+          </a:xfrm>
+          <a:prstGeom prst="rect">
+            <a:avLst/>
+          </a:prstGeom>
+          <a:noFill/>
+        </p:spPr>
+        <p:txBody>
+          <a:bodyPr wrap="none" rtlCol="0">
+            <a:spAutoFit/>
+          </a:bodyPr>
+          <a:lstStyle/>
+          <a:p>
+            <a:r>
+              <a:rPr lang="en-GB" sz="1400" i="1" dirty="0" smtClean="0">
+                <a:solidFill>
+                  <a:srgbClr val="FF0000"/>
+                </a:solidFill>
+              </a:rPr>
+              <a:t>0.1</a:t>
+            </a:r>
+            <a:endParaRPr lang="en-GB" sz="1400" i="1" dirty="0">
+              <a:solidFill>
+                <a:srgbClr val="FF0000"/>
+              </a:solidFill>
+            </a:endParaRPr>
+          </a:p>
+        </p:txBody>
+      </p:sp>
+      <p:sp>
+        <p:nvSpPr>
+          <p:cNvPr id="79" name="TextBox 78"/>
+          <p:cNvSpPr txBox="1"/>
+          <p:nvPr/>
+        </p:nvSpPr>
+        <p:spPr>
+          <a:xfrm>
+            <a:off x="670331" y="5341570"/>
+            <a:ext cx="477770" cy="307777"/>
+          </a:xfrm>
+          <a:prstGeom prst="rect">
+            <a:avLst/>
+          </a:prstGeom>
+          <a:noFill/>
+        </p:spPr>
+        <p:txBody>
+          <a:bodyPr wrap="none" rtlCol="0">
+            <a:spAutoFit/>
+          </a:bodyPr>
+          <a:lstStyle/>
+          <a:p>
+            <a:r>
+              <a:rPr lang="en-GB" sz="1400" i="1" dirty="0" smtClean="0">
+                <a:solidFill>
+                  <a:schemeClr val="accent6">
+                    <a:lumMod val="75000"/>
+                  </a:schemeClr>
+                </a:solidFill>
+              </a:rPr>
+              <a:t>0.5</a:t>
+            </a:r>
+            <a:endParaRPr lang="en-GB" sz="1400" i="1" dirty="0">
+              <a:solidFill>
+                <a:schemeClr val="accent6">
+                  <a:lumMod val="75000"/>
+                </a:schemeClr>
+              </a:solidFill>
+            </a:endParaRPr>
+          </a:p>
+        </p:txBody>
+      </p:sp>
+      <p:sp>
+        <p:nvSpPr>
+          <p:cNvPr id="80" name="TextBox 79"/>
+          <p:cNvSpPr txBox="1"/>
+          <p:nvPr/>
+        </p:nvSpPr>
+        <p:spPr>
+          <a:xfrm>
+            <a:off x="1223017" y="5334000"/>
+            <a:ext cx="477770" cy="307777"/>
+          </a:xfrm>
+          <a:prstGeom prst="rect">
+            <a:avLst/>
+          </a:prstGeom>
+          <a:noFill/>
+        </p:spPr>
+        <p:txBody>
+          <a:bodyPr wrap="none" rtlCol="0">
+            <a:spAutoFit/>
+          </a:bodyPr>
+          <a:lstStyle/>
+          <a:p>
+            <a:r>
+              <a:rPr lang="en-GB" sz="1400" i="1" dirty="0" smtClean="0">
+                <a:solidFill>
+                  <a:schemeClr val="accent6">
+                    <a:lumMod val="75000"/>
+                  </a:schemeClr>
+                </a:solidFill>
+              </a:rPr>
+              <a:t>0.4</a:t>
+            </a:r>
+            <a:endParaRPr lang="en-GB" sz="1400" i="1" dirty="0">
+              <a:solidFill>
+                <a:schemeClr val="accent6">
+                  <a:lumMod val="75000"/>
+                </a:schemeClr>
+              </a:solidFill>
+            </a:endParaRPr>
+          </a:p>
+        </p:txBody>
+      </p:sp>
+      <p:sp>
+        <p:nvSpPr>
+          <p:cNvPr id="81" name="TextBox 80"/>
+          <p:cNvSpPr txBox="1"/>
+          <p:nvPr/>
+        </p:nvSpPr>
+        <p:spPr>
+          <a:xfrm>
+            <a:off x="1798900" y="5463699"/>
+            <a:ext cx="477770" cy="307777"/>
+          </a:xfrm>
+          <a:prstGeom prst="rect">
+            <a:avLst/>
+          </a:prstGeom>
+          <a:noFill/>
+        </p:spPr>
+        <p:txBody>
+          <a:bodyPr wrap="none" rtlCol="0">
+            <a:spAutoFit/>
+          </a:bodyPr>
+          <a:lstStyle/>
+          <a:p>
+            <a:r>
+              <a:rPr lang="en-GB" sz="1400" i="1" dirty="0" smtClean="0">
+                <a:solidFill>
+                  <a:schemeClr val="accent6">
+                    <a:lumMod val="75000"/>
+                  </a:schemeClr>
+                </a:solidFill>
+              </a:rPr>
+              <a:t>0.1</a:t>
+            </a:r>
+            <a:endParaRPr lang="en-GB" sz="1400" i="1" dirty="0">
+              <a:solidFill>
+                <a:schemeClr val="accent6">
+                  <a:lumMod val="75000"/>
+                </a:schemeClr>
+              </a:solidFill>
+            </a:endParaRPr>
+          </a:p>
+        </p:txBody>
+      </p:sp>
     </p:spTree>
   </p:cSld>
   <p:clrMapOvr>
@@ -10021,4 +11826,640 @@
   </a:objectDefaults>
   <a:extraClrSchemeLst/>
 </a:theme>
+</file>
+
+<file path=ppt/theme/theme2.xml><?xml version="1.0" encoding="utf-8"?>
+<a:theme xmlns:a="http://schemas.openxmlformats.org/drawingml/2006/main" name="Office Theme">
+  <a:themeElements>
+    <a:clrScheme name="Office">
+      <a:dk1>
+        <a:sysClr val="windowText" lastClr="000000"/>
+      </a:dk1>
+      <a:lt1>
+        <a:sysClr val="window" lastClr="FFFFFF"/>
+      </a:lt1>
+      <a:dk2>
+        <a:srgbClr val="1F497D"/>
+      </a:dk2>
+      <a:lt2>
+        <a:srgbClr val="EEECE1"/>
+      </a:lt2>
+      <a:accent1>
+        <a:srgbClr val="4F81BD"/>
+      </a:accent1>
+      <a:accent2>
+        <a:srgbClr val="C0504D"/>
+      </a:accent2>
+      <a:accent3>
+        <a:srgbClr val="9BBB59"/>
+      </a:accent3>
+      <a:accent4>
+        <a:srgbClr val="8064A2"/>
+      </a:accent4>
+      <a:accent5>
+        <a:srgbClr val="4BACC6"/>
+      </a:accent5>
+      <a:accent6>
+        <a:srgbClr val="F79646"/>
+      </a:accent6>
+      <a:hlink>
+        <a:srgbClr val="0000FF"/>
+      </a:hlink>
+      <a:folHlink>
+        <a:srgbClr val="800080"/>
+      </a:folHlink>
+    </a:clrScheme>
+    <a:fontScheme name="Office">
+      <a:majorFont>
+        <a:latin typeface="Calibri"/>
+        <a:ea typeface=""/>
+        <a:cs typeface=""/>
+        <a:font script="Jpan" typeface="ＭＳ Ｐゴシック"/>
+        <a:font script="Hang" typeface="맑은 고딕"/>
+        <a:font script="Hans" typeface="宋体"/>
+        <a:font script="Hant" typeface="新細明體"/>
+        <a:font script="Arab" typeface="Times New Roman"/>
+        <a:font script="Hebr" typeface="Times New Roman"/>
+        <a:font script="Thai" typeface="Angsana New"/>
+        <a:font script="Ethi" typeface="Nyala"/>
+        <a:font script="Beng" typeface="Vrinda"/>
+        <a:font script="Gujr" typeface="Shruti"/>
+        <a:font script="Khmr" typeface="MoolBoran"/>
+        <a:font script="Knda" typeface="Tunga"/>
+        <a:font script="Guru" typeface="Raavi"/>
+        <a:font script="Cans" typeface="Euphemia"/>
+        <a:font script="Cher" typeface="Plantagenet Cherokee"/>
+        <a:font script="Yiii" typeface="Microsoft Yi Baiti"/>
+        <a:font script="Tibt" typeface="Microsoft Himalaya"/>
+        <a:font script="Thaa" typeface="MV Boli"/>
+        <a:font script="Deva" typeface="Mangal"/>
+        <a:font script="Telu" typeface="Gautami"/>
+        <a:font script="Taml" typeface="Latha"/>
+        <a:font script="Syrc" typeface="Estrangelo Edessa"/>
+        <a:font script="Orya" typeface="Kalinga"/>
+        <a:font script="Mlym" typeface="Kartika"/>
+        <a:font script="Laoo" typeface="DokChampa"/>
+        <a:font script="Sinh" typeface="Iskoola Pota"/>
+        <a:font script="Mong" typeface="Mongolian Baiti"/>
+        <a:font script="Viet" typeface="Times New Roman"/>
+        <a:font script="Uigh" typeface="Microsoft Uighur"/>
+      </a:majorFont>
+      <a:minorFont>
+        <a:latin typeface="Calibri"/>
+        <a:ea typeface=""/>
+        <a:cs typeface=""/>
+        <a:font script="Jpan" typeface="ＭＳ Ｐゴシック"/>
+        <a:font script="Hang" typeface="맑은 고딕"/>
+        <a:font script="Hans" typeface="宋体"/>
+        <a:font script="Hant" typeface="新細明體"/>
+        <a:font script="Arab" typeface="Arial"/>
+        <a:font script="Hebr" typeface="Arial"/>
+        <a:font script="Thai" typeface="Cordia New"/>
+        <a:font script="Ethi" typeface="Nyala"/>
+        <a:font script="Beng" typeface="Vrinda"/>
+        <a:font script="Gujr" typeface="Shruti"/>
+        <a:font script="Khmr" typeface="DaunPenh"/>
+        <a:font script="Knda" typeface="Tunga"/>
+        <a:font script="Guru" typeface="Raavi"/>
+        <a:font script="Cans" typeface="Euphemia"/>
+        <a:font script="Cher" typeface="Plantagenet Cherokee"/>
+        <a:font script="Yiii" typeface="Microsoft Yi Baiti"/>
+        <a:font script="Tibt" typeface="Microsoft Himalaya"/>
+        <a:font script="Thaa" typeface="MV Boli"/>
+        <a:font script="Deva" typeface="Mangal"/>
+        <a:font script="Telu" typeface="Gautami"/>
+        <a:font script="Taml" typeface="Latha"/>
+        <a:font script="Syrc" typeface="Estrangelo Edessa"/>
+        <a:font script="Orya" typeface="Kalinga"/>
+        <a:font script="Mlym" typeface="Kartika"/>
+        <a:font script="Laoo" typeface="DokChampa"/>
+        <a:font script="Sinh" typeface="Iskoola Pota"/>
+        <a:font script="Mong" typeface="Mongolian Baiti"/>
+        <a:font script="Viet" typeface="Arial"/>
+        <a:font script="Uigh" typeface="Microsoft Uighur"/>
+      </a:minorFont>
+    </a:fontScheme>
+    <a:fmtScheme name="Office">
+      <a:fillStyleLst>
+        <a:solidFill>
+          <a:schemeClr val="phClr"/>
+        </a:solidFill>
+        <a:gradFill rotWithShape="1">
+          <a:gsLst>
+            <a:gs pos="0">
+              <a:schemeClr val="phClr">
+                <a:tint val="50000"/>
+                <a:satMod val="300000"/>
+              </a:schemeClr>
+            </a:gs>
+            <a:gs pos="35000">
+              <a:schemeClr val="phClr">
+                <a:tint val="37000"/>
+                <a:satMod val="300000"/>
+              </a:schemeClr>
+            </a:gs>
+            <a:gs pos="100000">
+              <a:schemeClr val="phClr">
+                <a:tint val="15000"/>
+                <a:satMod val="350000"/>
+              </a:schemeClr>
+            </a:gs>
+          </a:gsLst>
+          <a:lin ang="16200000" scaled="1"/>
+        </a:gradFill>
+        <a:gradFill rotWithShape="1">
+          <a:gsLst>
+            <a:gs pos="0">
+              <a:schemeClr val="phClr">
+                <a:tint val="100000"/>
+                <a:shade val="100000"/>
+                <a:satMod val="130000"/>
+              </a:schemeClr>
+            </a:gs>
+            <a:gs pos="100000">
+              <a:schemeClr val="phClr">
+                <a:tint val="50000"/>
+                <a:shade val="100000"/>
+                <a:satMod val="350000"/>
+              </a:schemeClr>
+            </a:gs>
+          </a:gsLst>
+          <a:lin ang="16200000" scaled="0"/>
+        </a:gradFill>
+      </a:fillStyleLst>
+      <a:lnStyleLst>
+        <a:ln w="9525" cap="flat" cmpd="sng" algn="ctr">
+          <a:solidFill>
+            <a:schemeClr val="phClr">
+              <a:shade val="95000"/>
+              <a:satMod val="105000"/>
+            </a:schemeClr>
+          </a:solidFill>
+          <a:prstDash val="solid"/>
+        </a:ln>
+        <a:ln w="25400" cap="flat" cmpd="sng" algn="ctr">
+          <a:solidFill>
+            <a:schemeClr val="phClr"/>
+          </a:solidFill>
+          <a:prstDash val="solid"/>
+        </a:ln>
+        <a:ln w="38100" cap="flat" cmpd="sng" algn="ctr">
+          <a:solidFill>
+            <a:schemeClr val="phClr"/>
+          </a:solidFill>
+          <a:prstDash val="solid"/>
+        </a:ln>
+      </a:lnStyleLst>
+      <a:effectStyleLst>
+        <a:effectStyle>
+          <a:effectLst>
+            <a:outerShdw blurRad="40000" dist="20000" dir="5400000" rotWithShape="0">
+              <a:srgbClr val="000000">
+                <a:alpha val="38000"/>
+              </a:srgbClr>
+            </a:outerShdw>
+          </a:effectLst>
+        </a:effectStyle>
+        <a:effectStyle>
+          <a:effectLst>
+            <a:outerShdw blurRad="40000" dist="23000" dir="5400000" rotWithShape="0">
+              <a:srgbClr val="000000">
+                <a:alpha val="35000"/>
+              </a:srgbClr>
+            </a:outerShdw>
+          </a:effectLst>
+        </a:effectStyle>
+        <a:effectStyle>
+          <a:effectLst>
+            <a:outerShdw blurRad="40000" dist="23000" dir="5400000" rotWithShape="0">
+              <a:srgbClr val="000000">
+                <a:alpha val="35000"/>
+              </a:srgbClr>
+            </a:outerShdw>
+          </a:effectLst>
+          <a:scene3d>
+            <a:camera prst="orthographicFront">
+              <a:rot lat="0" lon="0" rev="0"/>
+            </a:camera>
+            <a:lightRig rig="threePt" dir="t">
+              <a:rot lat="0" lon="0" rev="1200000"/>
+            </a:lightRig>
+          </a:scene3d>
+          <a:sp3d>
+            <a:bevelT w="63500" h="25400"/>
+          </a:sp3d>
+        </a:effectStyle>
+      </a:effectStyleLst>
+      <a:bgFillStyleLst>
+        <a:solidFill>
+          <a:schemeClr val="phClr"/>
+        </a:solidFill>
+        <a:gradFill rotWithShape="1">
+          <a:gsLst>
+            <a:gs pos="0">
+              <a:schemeClr val="phClr">
+                <a:tint val="40000"/>
+                <a:satMod val="350000"/>
+              </a:schemeClr>
+            </a:gs>
+            <a:gs pos="40000">
+              <a:schemeClr val="phClr">
+                <a:tint val="45000"/>
+                <a:shade val="99000"/>
+                <a:satMod val="350000"/>
+              </a:schemeClr>
+            </a:gs>
+            <a:gs pos="100000">
+              <a:schemeClr val="phClr">
+                <a:shade val="20000"/>
+                <a:satMod val="255000"/>
+              </a:schemeClr>
+            </a:gs>
+          </a:gsLst>
+          <a:path path="circle">
+            <a:fillToRect l="50000" t="-80000" r="50000" b="180000"/>
+          </a:path>
+        </a:gradFill>
+        <a:gradFill rotWithShape="1">
+          <a:gsLst>
+            <a:gs pos="0">
+              <a:schemeClr val="phClr">
+                <a:tint val="80000"/>
+                <a:satMod val="300000"/>
+              </a:schemeClr>
+            </a:gs>
+            <a:gs pos="100000">
+              <a:schemeClr val="phClr">
+                <a:shade val="30000"/>
+                <a:satMod val="200000"/>
+              </a:schemeClr>
+            </a:gs>
+          </a:gsLst>
+          <a:path path="circle">
+            <a:fillToRect l="50000" t="50000" r="50000" b="50000"/>
+          </a:path>
+        </a:gradFill>
+      </a:bgFillStyleLst>
+    </a:fmtScheme>
+  </a:themeElements>
+  <a:objectDefaults>
+    <a:spDef>
+      <a:spPr/>
+      <a:bodyPr/>
+      <a:lstStyle/>
+      <a:style>
+        <a:lnRef idx="1">
+          <a:schemeClr val="accent1"/>
+        </a:lnRef>
+        <a:fillRef idx="3">
+          <a:schemeClr val="accent1"/>
+        </a:fillRef>
+        <a:effectRef idx="2">
+          <a:schemeClr val="accent1"/>
+        </a:effectRef>
+        <a:fontRef idx="minor">
+          <a:schemeClr val="lt1"/>
+        </a:fontRef>
+      </a:style>
+    </a:spDef>
+    <a:lnDef>
+      <a:spPr/>
+      <a:bodyPr/>
+      <a:lstStyle/>
+      <a:style>
+        <a:lnRef idx="2">
+          <a:schemeClr val="accent1"/>
+        </a:lnRef>
+        <a:fillRef idx="0">
+          <a:schemeClr val="accent1"/>
+        </a:fillRef>
+        <a:effectRef idx="1">
+          <a:schemeClr val="accent1"/>
+        </a:effectRef>
+        <a:fontRef idx="minor">
+          <a:schemeClr val="tx1"/>
+        </a:fontRef>
+      </a:style>
+    </a:lnDef>
+  </a:objectDefaults>
+  <a:extraClrSchemeLst/>
+</a:theme>
+</file>
+
+<file path=ppt/theme/theme3.xml><?xml version="1.0" encoding="utf-8"?>
+<a:theme xmlns:a="http://schemas.openxmlformats.org/drawingml/2006/main" name="Office Theme">
+  <a:themeElements>
+    <a:clrScheme name="Office">
+      <a:dk1>
+        <a:sysClr val="windowText" lastClr="000000"/>
+      </a:dk1>
+      <a:lt1>
+        <a:sysClr val="window" lastClr="FFFFFF"/>
+      </a:lt1>
+      <a:dk2>
+        <a:srgbClr val="1F497D"/>
+      </a:dk2>
+      <a:lt2>
+        <a:srgbClr val="EEECE1"/>
+      </a:lt2>
+      <a:accent1>
+        <a:srgbClr val="4F81BD"/>
+      </a:accent1>
+      <a:accent2>
+        <a:srgbClr val="C0504D"/>
+      </a:accent2>
+      <a:accent3>
+        <a:srgbClr val="9BBB59"/>
+      </a:accent3>
+      <a:accent4>
+        <a:srgbClr val="8064A2"/>
+      </a:accent4>
+      <a:accent5>
+        <a:srgbClr val="4BACC6"/>
+      </a:accent5>
+      <a:accent6>
+        <a:srgbClr val="F79646"/>
+      </a:accent6>
+      <a:hlink>
+        <a:srgbClr val="0000FF"/>
+      </a:hlink>
+      <a:folHlink>
+        <a:srgbClr val="800080"/>
+      </a:folHlink>
+    </a:clrScheme>
+    <a:fontScheme name="Office">
+      <a:majorFont>
+        <a:latin typeface="Calibri"/>
+        <a:ea typeface=""/>
+        <a:cs typeface=""/>
+        <a:font script="Jpan" typeface="ＭＳ Ｐゴシック"/>
+        <a:font script="Hang" typeface="맑은 고딕"/>
+        <a:font script="Hans" typeface="宋体"/>
+        <a:font script="Hant" typeface="新細明體"/>
+        <a:font script="Arab" typeface="Times New Roman"/>
+        <a:font script="Hebr" typeface="Times New Roman"/>
+        <a:font script="Thai" typeface="Angsana New"/>
+        <a:font script="Ethi" typeface="Nyala"/>
+        <a:font script="Beng" typeface="Vrinda"/>
+        <a:font script="Gujr" typeface="Shruti"/>
+        <a:font script="Khmr" typeface="MoolBoran"/>
+        <a:font script="Knda" typeface="Tunga"/>
+        <a:font script="Guru" typeface="Raavi"/>
+        <a:font script="Cans" typeface="Euphemia"/>
+        <a:font script="Cher" typeface="Plantagenet Cherokee"/>
+        <a:font script="Yiii" typeface="Microsoft Yi Baiti"/>
+        <a:font script="Tibt" typeface="Microsoft Himalaya"/>
+        <a:font script="Thaa" typeface="MV Boli"/>
+        <a:font script="Deva" typeface="Mangal"/>
+        <a:font script="Telu" typeface="Gautami"/>
+        <a:font script="Taml" typeface="Latha"/>
+        <a:font script="Syrc" typeface="Estrangelo Edessa"/>
+        <a:font script="Orya" typeface="Kalinga"/>
+        <a:font script="Mlym" typeface="Kartika"/>
+        <a:font script="Laoo" typeface="DokChampa"/>
+        <a:font script="Sinh" typeface="Iskoola Pota"/>
+        <a:font script="Mong" typeface="Mongolian Baiti"/>
+        <a:font script="Viet" typeface="Times New Roman"/>
+        <a:font script="Uigh" typeface="Microsoft Uighur"/>
+      </a:majorFont>
+      <a:minorFont>
+        <a:latin typeface="Calibri"/>
+        <a:ea typeface=""/>
+        <a:cs typeface=""/>
+        <a:font script="Jpan" typeface="ＭＳ Ｐゴシック"/>
+        <a:font script="Hang" typeface="맑은 고딕"/>
+        <a:font script="Hans" typeface="宋体"/>
+        <a:font script="Hant" typeface="新細明體"/>
+        <a:font script="Arab" typeface="Arial"/>
+        <a:font script="Hebr" typeface="Arial"/>
+        <a:font script="Thai" typeface="Cordia New"/>
+        <a:font script="Ethi" typeface="Nyala"/>
+        <a:font script="Beng" typeface="Vrinda"/>
+        <a:font script="Gujr" typeface="Shruti"/>
+        <a:font script="Khmr" typeface="DaunPenh"/>
+        <a:font script="Knda" typeface="Tunga"/>
+        <a:font script="Guru" typeface="Raavi"/>
+        <a:font script="Cans" typeface="Euphemia"/>
+        <a:font script="Cher" typeface="Plantagenet Cherokee"/>
+        <a:font script="Yiii" typeface="Microsoft Yi Baiti"/>
+        <a:font script="Tibt" typeface="Microsoft Himalaya"/>
+        <a:font script="Thaa" typeface="MV Boli"/>
+        <a:font script="Deva" typeface="Mangal"/>
+        <a:font script="Telu" typeface="Gautami"/>
+        <a:font script="Taml" typeface="Latha"/>
+        <a:font script="Syrc" typeface="Estrangelo Edessa"/>
+        <a:font script="Orya" typeface="Kalinga"/>
+        <a:font script="Mlym" typeface="Kartika"/>
+        <a:font script="Laoo" typeface="DokChampa"/>
+        <a:font script="Sinh" typeface="Iskoola Pota"/>
+        <a:font script="Mong" typeface="Mongolian Baiti"/>
+        <a:font script="Viet" typeface="Arial"/>
+        <a:font script="Uigh" typeface="Microsoft Uighur"/>
+      </a:minorFont>
+    </a:fontScheme>
+    <a:fmtScheme name="Office">
+      <a:fillStyleLst>
+        <a:solidFill>
+          <a:schemeClr val="phClr"/>
+        </a:solidFill>
+        <a:gradFill rotWithShape="1">
+          <a:gsLst>
+            <a:gs pos="0">
+              <a:schemeClr val="phClr">
+                <a:tint val="50000"/>
+                <a:satMod val="300000"/>
+              </a:schemeClr>
+            </a:gs>
+            <a:gs pos="35000">
+              <a:schemeClr val="phClr">
+                <a:tint val="37000"/>
+                <a:satMod val="300000"/>
+              </a:schemeClr>
+            </a:gs>
+            <a:gs pos="100000">
+              <a:schemeClr val="phClr">
+                <a:tint val="15000"/>
+                <a:satMod val="350000"/>
+              </a:schemeClr>
+            </a:gs>
+          </a:gsLst>
+          <a:lin ang="16200000" scaled="1"/>
+        </a:gradFill>
+        <a:gradFill rotWithShape="1">
+          <a:gsLst>
+            <a:gs pos="0">
+              <a:schemeClr val="phClr">
+                <a:tint val="100000"/>
+                <a:shade val="100000"/>
+                <a:satMod val="130000"/>
+              </a:schemeClr>
+            </a:gs>
+            <a:gs pos="100000">
+              <a:schemeClr val="phClr">
+                <a:tint val="50000"/>
+                <a:shade val="100000"/>
+                <a:satMod val="350000"/>
+              </a:schemeClr>
+            </a:gs>
+          </a:gsLst>
+          <a:lin ang="16200000" scaled="0"/>
+        </a:gradFill>
+      </a:fillStyleLst>
+      <a:lnStyleLst>
+        <a:ln w="9525" cap="flat" cmpd="sng" algn="ctr">
+          <a:solidFill>
+            <a:schemeClr val="phClr">
+              <a:shade val="95000"/>
+              <a:satMod val="105000"/>
+            </a:schemeClr>
+          </a:solidFill>
+          <a:prstDash val="solid"/>
+        </a:ln>
+        <a:ln w="25400" cap="flat" cmpd="sng" algn="ctr">
+          <a:solidFill>
+            <a:schemeClr val="phClr"/>
+          </a:solidFill>
+          <a:prstDash val="solid"/>
+        </a:ln>
+        <a:ln w="38100" cap="flat" cmpd="sng" algn="ctr">
+          <a:solidFill>
+            <a:schemeClr val="phClr"/>
+          </a:solidFill>
+          <a:prstDash val="solid"/>
+        </a:ln>
+      </a:lnStyleLst>
+      <a:effectStyleLst>
+        <a:effectStyle>
+          <a:effectLst>
+            <a:outerShdw blurRad="40000" dist="20000" dir="5400000" rotWithShape="0">
+              <a:srgbClr val="000000">
+                <a:alpha val="38000"/>
+              </a:srgbClr>
+            </a:outerShdw>
+          </a:effectLst>
+        </a:effectStyle>
+        <a:effectStyle>
+          <a:effectLst>
+            <a:outerShdw blurRad="40000" dist="23000" dir="5400000" rotWithShape="0">
+              <a:srgbClr val="000000">
+                <a:alpha val="35000"/>
+              </a:srgbClr>
+            </a:outerShdw>
+          </a:effectLst>
+        </a:effectStyle>
+        <a:effectStyle>
+          <a:effectLst>
+            <a:outerShdw blurRad="40000" dist="23000" dir="5400000" rotWithShape="0">
+              <a:srgbClr val="000000">
+                <a:alpha val="35000"/>
+              </a:srgbClr>
+            </a:outerShdw>
+          </a:effectLst>
+          <a:scene3d>
+            <a:camera prst="orthographicFront">
+              <a:rot lat="0" lon="0" rev="0"/>
+            </a:camera>
+            <a:lightRig rig="threePt" dir="t">
+              <a:rot lat="0" lon="0" rev="1200000"/>
+            </a:lightRig>
+          </a:scene3d>
+          <a:sp3d>
+            <a:bevelT w="63500" h="25400"/>
+          </a:sp3d>
+        </a:effectStyle>
+      </a:effectStyleLst>
+      <a:bgFillStyleLst>
+        <a:solidFill>
+          <a:schemeClr val="phClr"/>
+        </a:solidFill>
+        <a:gradFill rotWithShape="1">
+          <a:gsLst>
+            <a:gs pos="0">
+              <a:schemeClr val="phClr">
+                <a:tint val="40000"/>
+                <a:satMod val="350000"/>
+              </a:schemeClr>
+            </a:gs>
+            <a:gs pos="40000">
+              <a:schemeClr val="phClr">
+                <a:tint val="45000"/>
+                <a:shade val="99000"/>
+                <a:satMod val="350000"/>
+              </a:schemeClr>
+            </a:gs>
+            <a:gs pos="100000">
+              <a:schemeClr val="phClr">
+                <a:shade val="20000"/>
+                <a:satMod val="255000"/>
+              </a:schemeClr>
+            </a:gs>
+          </a:gsLst>
+          <a:path path="circle">
+            <a:fillToRect l="50000" t="-80000" r="50000" b="180000"/>
+          </a:path>
+        </a:gradFill>
+        <a:gradFill rotWithShape="1">
+          <a:gsLst>
+            <a:gs pos="0">
+              <a:schemeClr val="phClr">
+                <a:tint val="80000"/>
+                <a:satMod val="300000"/>
+              </a:schemeClr>
+            </a:gs>
+            <a:gs pos="100000">
+              <a:schemeClr val="phClr">
+                <a:shade val="30000"/>
+                <a:satMod val="200000"/>
+              </a:schemeClr>
+            </a:gs>
+          </a:gsLst>
+          <a:path path="circle">
+            <a:fillToRect l="50000" t="50000" r="50000" b="50000"/>
+          </a:path>
+        </a:gradFill>
+      </a:bgFillStyleLst>
+    </a:fmtScheme>
+  </a:themeElements>
+  <a:objectDefaults>
+    <a:spDef>
+      <a:spPr/>
+      <a:bodyPr/>
+      <a:lstStyle/>
+      <a:style>
+        <a:lnRef idx="1">
+          <a:schemeClr val="accent1"/>
+        </a:lnRef>
+        <a:fillRef idx="3">
+          <a:schemeClr val="accent1"/>
+        </a:fillRef>
+        <a:effectRef idx="2">
+          <a:schemeClr val="accent1"/>
+        </a:effectRef>
+        <a:fontRef idx="minor">
+          <a:schemeClr val="lt1"/>
+        </a:fontRef>
+      </a:style>
+    </a:spDef>
+    <a:lnDef>
+      <a:spPr/>
+      <a:bodyPr/>
+      <a:lstStyle/>
+      <a:style>
+        <a:lnRef idx="2">
+          <a:schemeClr val="accent1"/>
+        </a:lnRef>
+        <a:fillRef idx="0">
+          <a:schemeClr val="accent1"/>
+        </a:fillRef>
+        <a:effectRef idx="1">
+          <a:schemeClr val="accent1"/>
+        </a:effectRef>
+        <a:fontRef idx="minor">
+          <a:schemeClr val="tx1"/>
+        </a:fontRef>
+      </a:style>
+    </a:lnDef>
+  </a:objectDefaults>
+  <a:extraClrSchemeLst/>
+</a:theme>
 </file>